--- a/courseMaterial/Objective-4-Operators & Decisions/1-Operators.pptx
+++ b/courseMaterial/Objective-4-Operators & Decisions/1-Operators.pptx
@@ -16,8 +16,8 @@
     <p:sldId id="257" r:id="rId7"/>
     <p:sldId id="273" r:id="rId8"/>
     <p:sldId id="274" r:id="rId9"/>
-    <p:sldId id="276" r:id="rId10"/>
-    <p:sldId id="275" r:id="rId11"/>
+    <p:sldId id="275" r:id="rId10"/>
+    <p:sldId id="276" r:id="rId11"/>
     <p:sldId id="268" r:id="rId12"/>
   </p:sldIdLst>
   <p:sldSz cx="12192000" cy="6858000"/>
@@ -119,10 +119,21 @@
   </p:defaultTextStyle>
   <p:extLst>
     <p:ext uri="{EFAFB233-063F-42B5-8137-9DF3F51BA10A}">
-      <p15:sldGuideLst xmlns="" xmlns:p15="http://schemas.microsoft.com/office/powerpoint/2012/main"/>
+      <p15:sldGuideLst xmlns:p15="http://schemas.microsoft.com/office/powerpoint/2012/main">
+        <p15:guide id="1" orient="horz" pos="2160">
+          <p15:clr>
+            <a:srgbClr val="A4A3A4"/>
+          </p15:clr>
+        </p15:guide>
+        <p15:guide id="2" pos="3840">
+          <p15:clr>
+            <a:srgbClr val="A4A3A4"/>
+          </p15:clr>
+        </p15:guide>
+      </p15:sldGuideLst>
     </p:ext>
     <p:ext uri="{2D200454-40CA-4A62-9FC3-DE9A4176ACB9}">
-      <p15:notesGuideLst xmlns="" xmlns:p15="http://schemas.microsoft.com/office/powerpoint/2012/main"/>
+      <p15:notesGuideLst xmlns:p15="http://schemas.microsoft.com/office/powerpoint/2012/main"/>
     </p:ext>
   </p:extLst>
 </p:presentation>
@@ -155,7 +166,7 @@
           <p:cNvPr id="2" name="Header Placeholder 1">
             <a:extLst>
               <a:ext uri="{FF2B5EF4-FFF2-40B4-BE49-F238E27FC236}">
-                <a16:creationId xmlns="" xmlns:a16="http://schemas.microsoft.com/office/drawing/2014/main" id="{2BC10188-DC2C-458D-AB41-143A0BE9A310}"/>
+                <a16:creationId xmlns:a16="http://schemas.microsoft.com/office/drawing/2014/main" id="{2BC10188-DC2C-458D-AB41-143A0BE9A310}"/>
               </a:ext>
             </a:extLst>
           </p:cNvPr>
@@ -192,7 +203,7 @@
           <p:cNvPr id="3" name="Date Placeholder 2">
             <a:extLst>
               <a:ext uri="{FF2B5EF4-FFF2-40B4-BE49-F238E27FC236}">
-                <a16:creationId xmlns="" xmlns:a16="http://schemas.microsoft.com/office/drawing/2014/main" id="{C9634E15-7196-43FC-B912-C4D8B4A2CE79}"/>
+                <a16:creationId xmlns:a16="http://schemas.microsoft.com/office/drawing/2014/main" id="{C9634E15-7196-43FC-B912-C4D8B4A2CE79}"/>
               </a:ext>
             </a:extLst>
           </p:cNvPr>
@@ -223,7 +234,7 @@
             <a:fld id="{68416927-5E9C-4E77-85FE-EE4C81C1DE39}" type="datetimeFigureOut">
               <a:rPr lang="en-US" smtClean="0"/>
               <a:pPr/>
-              <a:t>4/26/2020</a:t>
+              <a:t>5/25/2020</a:t>
             </a:fld>
             <a:endParaRPr lang="en-US" dirty="0"/>
           </a:p>
@@ -234,7 +245,7 @@
           <p:cNvPr id="4" name="Footer Placeholder 3">
             <a:extLst>
               <a:ext uri="{FF2B5EF4-FFF2-40B4-BE49-F238E27FC236}">
-                <a16:creationId xmlns="" xmlns:a16="http://schemas.microsoft.com/office/drawing/2014/main" id="{89EA2570-D5B6-41CB-96C2-FFC9944668E5}"/>
+                <a16:creationId xmlns:a16="http://schemas.microsoft.com/office/drawing/2014/main" id="{89EA2570-D5B6-41CB-96C2-FFC9944668E5}"/>
               </a:ext>
             </a:extLst>
           </p:cNvPr>
@@ -271,7 +282,7 @@
           <p:cNvPr id="5" name="Slide Number Placeholder 4">
             <a:extLst>
               <a:ext uri="{FF2B5EF4-FFF2-40B4-BE49-F238E27FC236}">
-                <a16:creationId xmlns="" xmlns:a16="http://schemas.microsoft.com/office/drawing/2014/main" id="{15C31B37-7A69-4C30-9B63-29F8242FC246}"/>
+                <a16:creationId xmlns:a16="http://schemas.microsoft.com/office/drawing/2014/main" id="{15C31B37-7A69-4C30-9B63-29F8242FC246}"/>
               </a:ext>
             </a:extLst>
           </p:cNvPr>
@@ -311,7 +322,7 @@
     </p:spTree>
     <p:extLst>
       <p:ext uri="{BB962C8B-B14F-4D97-AF65-F5344CB8AC3E}">
-        <p14:creationId xmlns="" xmlns:p14="http://schemas.microsoft.com/office/powerpoint/2010/main" val="2413100067"/>
+        <p14:creationId xmlns:p14="http://schemas.microsoft.com/office/powerpoint/2010/main" val="2413100067"/>
       </p:ext>
     </p:extLst>
   </p:cSld>
@@ -402,7 +413,7 @@
             <a:fld id="{FA798B7E-6604-4F74-86DB-B30627D56244}" type="datetimeFigureOut">
               <a:rPr lang="en-US" smtClean="0"/>
               <a:pPr/>
-              <a:t>4/26/2020</a:t>
+              <a:t>5/25/2020</a:t>
             </a:fld>
             <a:endParaRPr lang="en-US" dirty="0"/>
           </a:p>
@@ -570,7 +581,7 @@
     </p:spTree>
     <p:extLst>
       <p:ext uri="{BB962C8B-B14F-4D97-AF65-F5344CB8AC3E}">
-        <p14:creationId xmlns="" xmlns:p14="http://schemas.microsoft.com/office/powerpoint/2010/main" val="2075933273"/>
+        <p14:creationId xmlns:p14="http://schemas.microsoft.com/office/powerpoint/2010/main" val="2075933273"/>
       </p:ext>
     </p:extLst>
   </p:cSld>
@@ -692,7 +703,7 @@
           <p:cNvPr id="2" name="Title 1">
             <a:extLst>
               <a:ext uri="{FF2B5EF4-FFF2-40B4-BE49-F238E27FC236}">
-                <a16:creationId xmlns="" xmlns:a16="http://schemas.microsoft.com/office/drawing/2014/main" id="{E5798B13-3B32-4354-B2B5-3165F2F6E65F}"/>
+                <a16:creationId xmlns:a16="http://schemas.microsoft.com/office/drawing/2014/main" id="{E5798B13-3B32-4354-B2B5-3165F2F6E65F}"/>
               </a:ext>
             </a:extLst>
           </p:cNvPr>
@@ -735,7 +746,7 @@
           <p:cNvPr id="4" name="Text Placeholder 3">
             <a:extLst>
               <a:ext uri="{FF2B5EF4-FFF2-40B4-BE49-F238E27FC236}">
-                <a16:creationId xmlns="" xmlns:a16="http://schemas.microsoft.com/office/drawing/2014/main" id="{16BB88CF-DF4F-4857-8602-72BCF5DDCDA1}"/>
+                <a16:creationId xmlns:a16="http://schemas.microsoft.com/office/drawing/2014/main" id="{16BB88CF-DF4F-4857-8602-72BCF5DDCDA1}"/>
               </a:ext>
             </a:extLst>
           </p:cNvPr>
@@ -806,7 +817,7 @@
           <p:cNvPr id="12" name="Straight Connector 11">
             <a:extLst>
               <a:ext uri="{FF2B5EF4-FFF2-40B4-BE49-F238E27FC236}">
-                <a16:creationId xmlns="" xmlns:a16="http://schemas.microsoft.com/office/drawing/2014/main" id="{A7EEBB7C-1679-4665-8688-1FA973E73DC1}"/>
+                <a16:creationId xmlns:a16="http://schemas.microsoft.com/office/drawing/2014/main" id="{A7EEBB7C-1679-4665-8688-1FA973E73DC1}"/>
               </a:ext>
             </a:extLst>
           </p:cNvPr>
@@ -858,7 +869,7 @@
           <p:cNvPr id="7" name="Rectangle 6">
             <a:extLst>
               <a:ext uri="{FF2B5EF4-FFF2-40B4-BE49-F238E27FC236}">
-                <a16:creationId xmlns="" xmlns:a16="http://schemas.microsoft.com/office/drawing/2014/main" id="{F1E3214F-3A93-4A1C-920D-D86BE35A58FB}"/>
+                <a16:creationId xmlns:a16="http://schemas.microsoft.com/office/drawing/2014/main" id="{F1E3214F-3A93-4A1C-920D-D86BE35A58FB}"/>
               </a:ext>
             </a:extLst>
           </p:cNvPr>
@@ -913,7 +924,7 @@
           <p:cNvPr id="3" name="Slide Number Placeholder 2">
             <a:extLst>
               <a:ext uri="{FF2B5EF4-FFF2-40B4-BE49-F238E27FC236}">
-                <a16:creationId xmlns="" xmlns:a16="http://schemas.microsoft.com/office/drawing/2014/main" id="{213E97E5-C83B-444A-8C07-35D699E7C342}"/>
+                <a16:creationId xmlns:a16="http://schemas.microsoft.com/office/drawing/2014/main" id="{213E97E5-C83B-444A-8C07-35D699E7C342}"/>
               </a:ext>
             </a:extLst>
           </p:cNvPr>
@@ -945,7 +956,7 @@
     </p:spTree>
     <p:extLst>
       <p:ext uri="{BB962C8B-B14F-4D97-AF65-F5344CB8AC3E}">
-        <p14:creationId xmlns="" xmlns:p14="http://schemas.microsoft.com/office/powerpoint/2010/main" val="2226532245"/>
+        <p14:creationId xmlns:p14="http://schemas.microsoft.com/office/powerpoint/2010/main" val="2226532245"/>
       </p:ext>
     </p:extLst>
   </p:cSld>
@@ -977,7 +988,7 @@
           <p:cNvPr id="2" name="Title 1">
             <a:extLst>
               <a:ext uri="{FF2B5EF4-FFF2-40B4-BE49-F238E27FC236}">
-                <a16:creationId xmlns="" xmlns:a16="http://schemas.microsoft.com/office/drawing/2014/main" id="{0D1AB651-5612-4E6A-9B35-A555D082EC2F}"/>
+                <a16:creationId xmlns:a16="http://schemas.microsoft.com/office/drawing/2014/main" id="{0D1AB651-5612-4E6A-9B35-A555D082EC2F}"/>
               </a:ext>
             </a:extLst>
           </p:cNvPr>
@@ -1006,7 +1017,7 @@
           <p:cNvPr id="3" name="Content Placeholder 2">
             <a:extLst>
               <a:ext uri="{FF2B5EF4-FFF2-40B4-BE49-F238E27FC236}">
-                <a16:creationId xmlns="" xmlns:a16="http://schemas.microsoft.com/office/drawing/2014/main" id="{881389A2-D77B-40CA-AD1E-0178AEFAD15A}"/>
+                <a16:creationId xmlns:a16="http://schemas.microsoft.com/office/drawing/2014/main" id="{881389A2-D77B-40CA-AD1E-0178AEFAD15A}"/>
               </a:ext>
             </a:extLst>
           </p:cNvPr>
@@ -1087,7 +1098,7 @@
           <p:cNvPr id="4" name="Content Placeholder 3">
             <a:extLst>
               <a:ext uri="{FF2B5EF4-FFF2-40B4-BE49-F238E27FC236}">
-                <a16:creationId xmlns="" xmlns:a16="http://schemas.microsoft.com/office/drawing/2014/main" id="{A1DCA993-CBEA-48C5-BD35-50ABDFF64065}"/>
+                <a16:creationId xmlns:a16="http://schemas.microsoft.com/office/drawing/2014/main" id="{A1DCA993-CBEA-48C5-BD35-50ABDFF64065}"/>
               </a:ext>
             </a:extLst>
           </p:cNvPr>
@@ -1168,7 +1179,7 @@
           <p:cNvPr id="5" name="Slide Number Placeholder 4">
             <a:extLst>
               <a:ext uri="{FF2B5EF4-FFF2-40B4-BE49-F238E27FC236}">
-                <a16:creationId xmlns="" xmlns:a16="http://schemas.microsoft.com/office/drawing/2014/main" id="{B88ED8E0-95EC-469F-9B7E-562FBDFDE6CC}"/>
+                <a16:creationId xmlns:a16="http://schemas.microsoft.com/office/drawing/2014/main" id="{B88ED8E0-95EC-469F-9B7E-562FBDFDE6CC}"/>
               </a:ext>
             </a:extLst>
           </p:cNvPr>
@@ -1200,7 +1211,7 @@
     </p:spTree>
     <p:extLst>
       <p:ext uri="{BB962C8B-B14F-4D97-AF65-F5344CB8AC3E}">
-        <p14:creationId xmlns="" xmlns:p14="http://schemas.microsoft.com/office/powerpoint/2010/main" val="646344805"/>
+        <p14:creationId xmlns:p14="http://schemas.microsoft.com/office/powerpoint/2010/main" val="646344805"/>
       </p:ext>
     </p:extLst>
   </p:cSld>
@@ -1232,7 +1243,7 @@
           <p:cNvPr id="2" name="Title 1">
             <a:extLst>
               <a:ext uri="{FF2B5EF4-FFF2-40B4-BE49-F238E27FC236}">
-                <a16:creationId xmlns="" xmlns:a16="http://schemas.microsoft.com/office/drawing/2014/main" id="{EF776F88-2A37-410D-A685-E455AF3D07B4}"/>
+                <a16:creationId xmlns:a16="http://schemas.microsoft.com/office/drawing/2014/main" id="{EF776F88-2A37-410D-A685-E455AF3D07B4}"/>
               </a:ext>
             </a:extLst>
           </p:cNvPr>
@@ -1266,7 +1277,7 @@
           <p:cNvPr id="3" name="Text Placeholder 2">
             <a:extLst>
               <a:ext uri="{FF2B5EF4-FFF2-40B4-BE49-F238E27FC236}">
-                <a16:creationId xmlns="" xmlns:a16="http://schemas.microsoft.com/office/drawing/2014/main" id="{6C764B46-B015-44F7-8DC0-AFB8D275E486}"/>
+                <a16:creationId xmlns:a16="http://schemas.microsoft.com/office/drawing/2014/main" id="{6C764B46-B015-44F7-8DC0-AFB8D275E486}"/>
               </a:ext>
             </a:extLst>
           </p:cNvPr>
@@ -1337,7 +1348,7 @@
           <p:cNvPr id="4" name="Content Placeholder 3">
             <a:extLst>
               <a:ext uri="{FF2B5EF4-FFF2-40B4-BE49-F238E27FC236}">
-                <a16:creationId xmlns="" xmlns:a16="http://schemas.microsoft.com/office/drawing/2014/main" id="{2D3C8232-2077-497A-9142-B787E2B03A73}"/>
+                <a16:creationId xmlns:a16="http://schemas.microsoft.com/office/drawing/2014/main" id="{2D3C8232-2077-497A-9142-B787E2B03A73}"/>
               </a:ext>
             </a:extLst>
           </p:cNvPr>
@@ -1418,7 +1429,7 @@
           <p:cNvPr id="5" name="Text Placeholder 4">
             <a:extLst>
               <a:ext uri="{FF2B5EF4-FFF2-40B4-BE49-F238E27FC236}">
-                <a16:creationId xmlns="" xmlns:a16="http://schemas.microsoft.com/office/drawing/2014/main" id="{AAF6077C-D913-4FD0-B6E0-6D70BEFD40E6}"/>
+                <a16:creationId xmlns:a16="http://schemas.microsoft.com/office/drawing/2014/main" id="{AAF6077C-D913-4FD0-B6E0-6D70BEFD40E6}"/>
               </a:ext>
             </a:extLst>
           </p:cNvPr>
@@ -1489,7 +1500,7 @@
           <p:cNvPr id="6" name="Content Placeholder 5">
             <a:extLst>
               <a:ext uri="{FF2B5EF4-FFF2-40B4-BE49-F238E27FC236}">
-                <a16:creationId xmlns="" xmlns:a16="http://schemas.microsoft.com/office/drawing/2014/main" id="{43905DBB-3AA9-4435-AC97-732293FDE7EF}"/>
+                <a16:creationId xmlns:a16="http://schemas.microsoft.com/office/drawing/2014/main" id="{43905DBB-3AA9-4435-AC97-732293FDE7EF}"/>
               </a:ext>
             </a:extLst>
           </p:cNvPr>
@@ -1570,7 +1581,7 @@
           <p:cNvPr id="7" name="Slide Number Placeholder 6">
             <a:extLst>
               <a:ext uri="{FF2B5EF4-FFF2-40B4-BE49-F238E27FC236}">
-                <a16:creationId xmlns="" xmlns:a16="http://schemas.microsoft.com/office/drawing/2014/main" id="{1954C901-FCAF-4DFB-A621-6A969641CA73}"/>
+                <a16:creationId xmlns:a16="http://schemas.microsoft.com/office/drawing/2014/main" id="{1954C901-FCAF-4DFB-A621-6A969641CA73}"/>
               </a:ext>
             </a:extLst>
           </p:cNvPr>
@@ -1602,7 +1613,7 @@
     </p:spTree>
     <p:extLst>
       <p:ext uri="{BB962C8B-B14F-4D97-AF65-F5344CB8AC3E}">
-        <p14:creationId xmlns="" xmlns:p14="http://schemas.microsoft.com/office/powerpoint/2010/main" val="2292145525"/>
+        <p14:creationId xmlns:p14="http://schemas.microsoft.com/office/powerpoint/2010/main" val="2292145525"/>
       </p:ext>
     </p:extLst>
   </p:cSld>
@@ -1634,7 +1645,7 @@
           <p:cNvPr id="2" name="Title 1">
             <a:extLst>
               <a:ext uri="{FF2B5EF4-FFF2-40B4-BE49-F238E27FC236}">
-                <a16:creationId xmlns="" xmlns:a16="http://schemas.microsoft.com/office/drawing/2014/main" id="{99AF2623-2255-4BBA-9577-B3A3FD2AE8E8}"/>
+                <a16:creationId xmlns:a16="http://schemas.microsoft.com/office/drawing/2014/main" id="{99AF2623-2255-4BBA-9577-B3A3FD2AE8E8}"/>
               </a:ext>
             </a:extLst>
           </p:cNvPr>
@@ -1663,7 +1674,7 @@
           <p:cNvPr id="3" name="Slide Number Placeholder 2">
             <a:extLst>
               <a:ext uri="{FF2B5EF4-FFF2-40B4-BE49-F238E27FC236}">
-                <a16:creationId xmlns="" xmlns:a16="http://schemas.microsoft.com/office/drawing/2014/main" id="{5259F0F0-5E7C-4FC9-8E90-6ADCD7A714B6}"/>
+                <a16:creationId xmlns:a16="http://schemas.microsoft.com/office/drawing/2014/main" id="{5259F0F0-5E7C-4FC9-8E90-6ADCD7A714B6}"/>
               </a:ext>
             </a:extLst>
           </p:cNvPr>
@@ -1695,7 +1706,7 @@
     </p:spTree>
     <p:extLst>
       <p:ext uri="{BB962C8B-B14F-4D97-AF65-F5344CB8AC3E}">
-        <p14:creationId xmlns="" xmlns:p14="http://schemas.microsoft.com/office/powerpoint/2010/main" val="3105532259"/>
+        <p14:creationId xmlns:p14="http://schemas.microsoft.com/office/powerpoint/2010/main" val="3105532259"/>
       </p:ext>
     </p:extLst>
   </p:cSld>
@@ -1727,7 +1738,7 @@
           <p:cNvPr id="2" name="Slide Number Placeholder 1">
             <a:extLst>
               <a:ext uri="{FF2B5EF4-FFF2-40B4-BE49-F238E27FC236}">
-                <a16:creationId xmlns="" xmlns:a16="http://schemas.microsoft.com/office/drawing/2014/main" id="{0A9D3FFB-BE14-4D90-A515-10EDD1BEE6F1}"/>
+                <a16:creationId xmlns:a16="http://schemas.microsoft.com/office/drawing/2014/main" id="{0A9D3FFB-BE14-4D90-A515-10EDD1BEE6F1}"/>
               </a:ext>
             </a:extLst>
           </p:cNvPr>
@@ -1759,7 +1770,7 @@
     </p:spTree>
     <p:extLst>
       <p:ext uri="{BB962C8B-B14F-4D97-AF65-F5344CB8AC3E}">
-        <p14:creationId xmlns="" xmlns:p14="http://schemas.microsoft.com/office/powerpoint/2010/main" val="3627673970"/>
+        <p14:creationId xmlns:p14="http://schemas.microsoft.com/office/powerpoint/2010/main" val="3627673970"/>
       </p:ext>
     </p:extLst>
   </p:cSld>
@@ -1791,7 +1802,7 @@
           <p:cNvPr id="2" name="Title 1">
             <a:extLst>
               <a:ext uri="{FF2B5EF4-FFF2-40B4-BE49-F238E27FC236}">
-                <a16:creationId xmlns="" xmlns:a16="http://schemas.microsoft.com/office/drawing/2014/main" id="{A2451E51-BE82-4B1B-9CB6-89C26464DBE2}"/>
+                <a16:creationId xmlns:a16="http://schemas.microsoft.com/office/drawing/2014/main" id="{A2451E51-BE82-4B1B-9CB6-89C26464DBE2}"/>
               </a:ext>
             </a:extLst>
           </p:cNvPr>
@@ -1829,7 +1840,7 @@
           <p:cNvPr id="3" name="Content Placeholder 2">
             <a:extLst>
               <a:ext uri="{FF2B5EF4-FFF2-40B4-BE49-F238E27FC236}">
-                <a16:creationId xmlns="" xmlns:a16="http://schemas.microsoft.com/office/drawing/2014/main" id="{04CCBF8C-3CF7-47E6-9AB0-15584178B449}"/>
+                <a16:creationId xmlns:a16="http://schemas.microsoft.com/office/drawing/2014/main" id="{04CCBF8C-3CF7-47E6-9AB0-15584178B449}"/>
               </a:ext>
             </a:extLst>
           </p:cNvPr>
@@ -1920,7 +1931,7 @@
           <p:cNvPr id="4" name="Text Placeholder 3">
             <a:extLst>
               <a:ext uri="{FF2B5EF4-FFF2-40B4-BE49-F238E27FC236}">
-                <a16:creationId xmlns="" xmlns:a16="http://schemas.microsoft.com/office/drawing/2014/main" id="{3D07DA3C-0298-45CF-AFC3-41031C0763E3}"/>
+                <a16:creationId xmlns:a16="http://schemas.microsoft.com/office/drawing/2014/main" id="{3D07DA3C-0298-45CF-AFC3-41031C0763E3}"/>
               </a:ext>
             </a:extLst>
           </p:cNvPr>
@@ -1991,7 +2002,7 @@
           <p:cNvPr id="5" name="Slide Number Placeholder 4">
             <a:extLst>
               <a:ext uri="{FF2B5EF4-FFF2-40B4-BE49-F238E27FC236}">
-                <a16:creationId xmlns="" xmlns:a16="http://schemas.microsoft.com/office/drawing/2014/main" id="{F7C4FF87-D01E-416B-9EF8-E107C4EDDC42}"/>
+                <a16:creationId xmlns:a16="http://schemas.microsoft.com/office/drawing/2014/main" id="{F7C4FF87-D01E-416B-9EF8-E107C4EDDC42}"/>
               </a:ext>
             </a:extLst>
           </p:cNvPr>
@@ -2023,7 +2034,7 @@
     </p:spTree>
     <p:extLst>
       <p:ext uri="{BB962C8B-B14F-4D97-AF65-F5344CB8AC3E}">
-        <p14:creationId xmlns="" xmlns:p14="http://schemas.microsoft.com/office/powerpoint/2010/main" val="398533459"/>
+        <p14:creationId xmlns:p14="http://schemas.microsoft.com/office/powerpoint/2010/main" val="398533459"/>
       </p:ext>
     </p:extLst>
   </p:cSld>
@@ -2055,7 +2066,7 @@
           <p:cNvPr id="2" name="Title 1">
             <a:extLst>
               <a:ext uri="{FF2B5EF4-FFF2-40B4-BE49-F238E27FC236}">
-                <a16:creationId xmlns="" xmlns:a16="http://schemas.microsoft.com/office/drawing/2014/main" id="{E5798B13-3B32-4354-B2B5-3165F2F6E65F}"/>
+                <a16:creationId xmlns:a16="http://schemas.microsoft.com/office/drawing/2014/main" id="{E5798B13-3B32-4354-B2B5-3165F2F6E65F}"/>
               </a:ext>
             </a:extLst>
           </p:cNvPr>
@@ -2098,7 +2109,7 @@
           <p:cNvPr id="4" name="Text Placeholder 3">
             <a:extLst>
               <a:ext uri="{FF2B5EF4-FFF2-40B4-BE49-F238E27FC236}">
-                <a16:creationId xmlns="" xmlns:a16="http://schemas.microsoft.com/office/drawing/2014/main" id="{16BB88CF-DF4F-4857-8602-72BCF5DDCDA1}"/>
+                <a16:creationId xmlns:a16="http://schemas.microsoft.com/office/drawing/2014/main" id="{16BB88CF-DF4F-4857-8602-72BCF5DDCDA1}"/>
               </a:ext>
             </a:extLst>
           </p:cNvPr>
@@ -2169,7 +2180,7 @@
           <p:cNvPr id="12" name="Straight Connector 11">
             <a:extLst>
               <a:ext uri="{FF2B5EF4-FFF2-40B4-BE49-F238E27FC236}">
-                <a16:creationId xmlns="" xmlns:a16="http://schemas.microsoft.com/office/drawing/2014/main" id="{A7EEBB7C-1679-4665-8688-1FA973E73DC1}"/>
+                <a16:creationId xmlns:a16="http://schemas.microsoft.com/office/drawing/2014/main" id="{A7EEBB7C-1679-4665-8688-1FA973E73DC1}"/>
               </a:ext>
             </a:extLst>
           </p:cNvPr>
@@ -2221,7 +2232,7 @@
           <p:cNvPr id="7" name="Rectangle 6">
             <a:extLst>
               <a:ext uri="{FF2B5EF4-FFF2-40B4-BE49-F238E27FC236}">
-                <a16:creationId xmlns="" xmlns:a16="http://schemas.microsoft.com/office/drawing/2014/main" id="{F1E3214F-3A93-4A1C-920D-D86BE35A58FB}"/>
+                <a16:creationId xmlns:a16="http://schemas.microsoft.com/office/drawing/2014/main" id="{F1E3214F-3A93-4A1C-920D-D86BE35A58FB}"/>
               </a:ext>
             </a:extLst>
           </p:cNvPr>
@@ -2276,7 +2287,7 @@
           <p:cNvPr id="3" name="Slide Number Placeholder 2">
             <a:extLst>
               <a:ext uri="{FF2B5EF4-FFF2-40B4-BE49-F238E27FC236}">
-                <a16:creationId xmlns="" xmlns:a16="http://schemas.microsoft.com/office/drawing/2014/main" id="{213E97E5-C83B-444A-8C07-35D699E7C342}"/>
+                <a16:creationId xmlns:a16="http://schemas.microsoft.com/office/drawing/2014/main" id="{213E97E5-C83B-444A-8C07-35D699E7C342}"/>
               </a:ext>
             </a:extLst>
           </p:cNvPr>
@@ -2310,7 +2321,7 @@
           <p:cNvPr id="8" name="Picture Placeholder 2">
             <a:extLst>
               <a:ext uri="{FF2B5EF4-FFF2-40B4-BE49-F238E27FC236}">
-                <a16:creationId xmlns="" xmlns:a16="http://schemas.microsoft.com/office/drawing/2014/main" id="{2641ECAC-0557-4843-8433-067E4414E2F5}"/>
+                <a16:creationId xmlns:a16="http://schemas.microsoft.com/office/drawing/2014/main" id="{2641ECAC-0557-4843-8433-067E4414E2F5}"/>
               </a:ext>
             </a:extLst>
           </p:cNvPr>
@@ -2386,7 +2397,7 @@
     </p:spTree>
     <p:extLst>
       <p:ext uri="{BB962C8B-B14F-4D97-AF65-F5344CB8AC3E}">
-        <p14:creationId xmlns="" xmlns:p14="http://schemas.microsoft.com/office/powerpoint/2010/main" val="3394383312"/>
+        <p14:creationId xmlns:p14="http://schemas.microsoft.com/office/powerpoint/2010/main" val="3394383312"/>
       </p:ext>
     </p:extLst>
   </p:cSld>
@@ -2429,7 +2440,7 @@
           <p:cNvPr id="2" name="Title 1">
             <a:extLst>
               <a:ext uri="{FF2B5EF4-FFF2-40B4-BE49-F238E27FC236}">
-                <a16:creationId xmlns="" xmlns:a16="http://schemas.microsoft.com/office/drawing/2014/main" id="{FE91AD08-4E28-4191-9B62-EAD61608E5CF}"/>
+                <a16:creationId xmlns:a16="http://schemas.microsoft.com/office/drawing/2014/main" id="{FE91AD08-4E28-4191-9B62-EAD61608E5CF}"/>
               </a:ext>
             </a:extLst>
           </p:cNvPr>
@@ -2477,7 +2488,7 @@
           <p:cNvPr id="3" name="Content Placeholder 2">
             <a:extLst>
               <a:ext uri="{FF2B5EF4-FFF2-40B4-BE49-F238E27FC236}">
-                <a16:creationId xmlns="" xmlns:a16="http://schemas.microsoft.com/office/drawing/2014/main" id="{90BF853D-76DB-46F3-AF6C-1E77C8E06AA9}"/>
+                <a16:creationId xmlns:a16="http://schemas.microsoft.com/office/drawing/2014/main" id="{90BF853D-76DB-46F3-AF6C-1E77C8E06AA9}"/>
               </a:ext>
             </a:extLst>
           </p:cNvPr>
@@ -2558,7 +2569,7 @@
           <p:cNvPr id="4" name="Slide Number Placeholder 3">
             <a:extLst>
               <a:ext uri="{FF2B5EF4-FFF2-40B4-BE49-F238E27FC236}">
-                <a16:creationId xmlns="" xmlns:a16="http://schemas.microsoft.com/office/drawing/2014/main" id="{0660D61A-B9FD-4DFF-AC42-4069DAFE238C}"/>
+                <a16:creationId xmlns:a16="http://schemas.microsoft.com/office/drawing/2014/main" id="{0660D61A-B9FD-4DFF-AC42-4069DAFE238C}"/>
               </a:ext>
             </a:extLst>
           </p:cNvPr>
@@ -2590,7 +2601,7 @@
     </p:spTree>
     <p:extLst>
       <p:ext uri="{BB962C8B-B14F-4D97-AF65-F5344CB8AC3E}">
-        <p14:creationId xmlns="" xmlns:p14="http://schemas.microsoft.com/office/powerpoint/2010/main" val="3839236654"/>
+        <p14:creationId xmlns:p14="http://schemas.microsoft.com/office/powerpoint/2010/main" val="3839236654"/>
       </p:ext>
     </p:extLst>
   </p:cSld>
@@ -2633,7 +2644,7 @@
           <p:cNvPr id="2" name="Title 1">
             <a:extLst>
               <a:ext uri="{FF2B5EF4-FFF2-40B4-BE49-F238E27FC236}">
-                <a16:creationId xmlns="" xmlns:a16="http://schemas.microsoft.com/office/drawing/2014/main" id="{FE91AD08-4E28-4191-9B62-EAD61608E5CF}"/>
+                <a16:creationId xmlns:a16="http://schemas.microsoft.com/office/drawing/2014/main" id="{FE91AD08-4E28-4191-9B62-EAD61608E5CF}"/>
               </a:ext>
             </a:extLst>
           </p:cNvPr>
@@ -2683,7 +2694,7 @@
           <p:cNvPr id="3" name="Content Placeholder 2">
             <a:extLst>
               <a:ext uri="{FF2B5EF4-FFF2-40B4-BE49-F238E27FC236}">
-                <a16:creationId xmlns="" xmlns:a16="http://schemas.microsoft.com/office/drawing/2014/main" id="{90BF853D-76DB-46F3-AF6C-1E77C8E06AA9}"/>
+                <a16:creationId xmlns:a16="http://schemas.microsoft.com/office/drawing/2014/main" id="{90BF853D-76DB-46F3-AF6C-1E77C8E06AA9}"/>
               </a:ext>
             </a:extLst>
           </p:cNvPr>
@@ -2764,7 +2775,7 @@
           <p:cNvPr id="4" name="Slide Number Placeholder 3">
             <a:extLst>
               <a:ext uri="{FF2B5EF4-FFF2-40B4-BE49-F238E27FC236}">
-                <a16:creationId xmlns="" xmlns:a16="http://schemas.microsoft.com/office/drawing/2014/main" id="{0660D61A-B9FD-4DFF-AC42-4069DAFE238C}"/>
+                <a16:creationId xmlns:a16="http://schemas.microsoft.com/office/drawing/2014/main" id="{0660D61A-B9FD-4DFF-AC42-4069DAFE238C}"/>
               </a:ext>
             </a:extLst>
           </p:cNvPr>
@@ -2796,7 +2807,7 @@
     </p:spTree>
     <p:extLst>
       <p:ext uri="{BB962C8B-B14F-4D97-AF65-F5344CB8AC3E}">
-        <p14:creationId xmlns="" xmlns:p14="http://schemas.microsoft.com/office/powerpoint/2010/main" val="1594571051"/>
+        <p14:creationId xmlns:p14="http://schemas.microsoft.com/office/powerpoint/2010/main" val="1594571051"/>
       </p:ext>
     </p:extLst>
   </p:cSld>
@@ -2828,7 +2839,7 @@
           <p:cNvPr id="7" name="Picture Placeholder 2">
             <a:extLst>
               <a:ext uri="{FF2B5EF4-FFF2-40B4-BE49-F238E27FC236}">
-                <a16:creationId xmlns="" xmlns:a16="http://schemas.microsoft.com/office/drawing/2014/main" id="{6D3C5ED2-B01D-4104-B193-BC78D76A4646}"/>
+                <a16:creationId xmlns:a16="http://schemas.microsoft.com/office/drawing/2014/main" id="{6D3C5ED2-B01D-4104-B193-BC78D76A4646}"/>
               </a:ext>
             </a:extLst>
           </p:cNvPr>
@@ -2901,7 +2912,7 @@
           <p:cNvPr id="2" name="Title 1">
             <a:extLst>
               <a:ext uri="{FF2B5EF4-FFF2-40B4-BE49-F238E27FC236}">
-                <a16:creationId xmlns="" xmlns:a16="http://schemas.microsoft.com/office/drawing/2014/main" id="{FE91AD08-4E28-4191-9B62-EAD61608E5CF}"/>
+                <a16:creationId xmlns:a16="http://schemas.microsoft.com/office/drawing/2014/main" id="{FE91AD08-4E28-4191-9B62-EAD61608E5CF}"/>
               </a:ext>
             </a:extLst>
           </p:cNvPr>
@@ -2948,7 +2959,7 @@
           <p:cNvPr id="3" name="Content Placeholder 2">
             <a:extLst>
               <a:ext uri="{FF2B5EF4-FFF2-40B4-BE49-F238E27FC236}">
-                <a16:creationId xmlns="" xmlns:a16="http://schemas.microsoft.com/office/drawing/2014/main" id="{90BF853D-76DB-46F3-AF6C-1E77C8E06AA9}"/>
+                <a16:creationId xmlns:a16="http://schemas.microsoft.com/office/drawing/2014/main" id="{90BF853D-76DB-46F3-AF6C-1E77C8E06AA9}"/>
               </a:ext>
             </a:extLst>
           </p:cNvPr>
@@ -3029,7 +3040,7 @@
           <p:cNvPr id="4" name="Slide Number Placeholder 3">
             <a:extLst>
               <a:ext uri="{FF2B5EF4-FFF2-40B4-BE49-F238E27FC236}">
-                <a16:creationId xmlns="" xmlns:a16="http://schemas.microsoft.com/office/drawing/2014/main" id="{0660D61A-B9FD-4DFF-AC42-4069DAFE238C}"/>
+                <a16:creationId xmlns:a16="http://schemas.microsoft.com/office/drawing/2014/main" id="{0660D61A-B9FD-4DFF-AC42-4069DAFE238C}"/>
               </a:ext>
             </a:extLst>
           </p:cNvPr>
@@ -3066,7 +3077,7 @@
     </p:spTree>
     <p:extLst>
       <p:ext uri="{BB962C8B-B14F-4D97-AF65-F5344CB8AC3E}">
-        <p14:creationId xmlns="" xmlns:p14="http://schemas.microsoft.com/office/powerpoint/2010/main" val="1797904098"/>
+        <p14:creationId xmlns:p14="http://schemas.microsoft.com/office/powerpoint/2010/main" val="1797904098"/>
       </p:ext>
     </p:extLst>
   </p:cSld>
@@ -3098,7 +3109,7 @@
           <p:cNvPr id="2" name="Title 1">
             <a:extLst>
               <a:ext uri="{FF2B5EF4-FFF2-40B4-BE49-F238E27FC236}">
-                <a16:creationId xmlns="" xmlns:a16="http://schemas.microsoft.com/office/drawing/2014/main" id="{FE91AD08-4E28-4191-9B62-EAD61608E5CF}"/>
+                <a16:creationId xmlns:a16="http://schemas.microsoft.com/office/drawing/2014/main" id="{FE91AD08-4E28-4191-9B62-EAD61608E5CF}"/>
               </a:ext>
             </a:extLst>
           </p:cNvPr>
@@ -3158,7 +3169,7 @@
           <p:cNvPr id="3" name="Content Placeholder 2">
             <a:extLst>
               <a:ext uri="{FF2B5EF4-FFF2-40B4-BE49-F238E27FC236}">
-                <a16:creationId xmlns="" xmlns:a16="http://schemas.microsoft.com/office/drawing/2014/main" id="{90BF853D-76DB-46F3-AF6C-1E77C8E06AA9}"/>
+                <a16:creationId xmlns:a16="http://schemas.microsoft.com/office/drawing/2014/main" id="{90BF853D-76DB-46F3-AF6C-1E77C8E06AA9}"/>
               </a:ext>
             </a:extLst>
           </p:cNvPr>
@@ -3239,7 +3250,7 @@
           <p:cNvPr id="14" name="Slide Number Placeholder 13">
             <a:extLst>
               <a:ext uri="{FF2B5EF4-FFF2-40B4-BE49-F238E27FC236}">
-                <a16:creationId xmlns="" xmlns:a16="http://schemas.microsoft.com/office/drawing/2014/main" id="{7746CAFB-2B99-470B-B55B-9BF378E3A04B}"/>
+                <a16:creationId xmlns:a16="http://schemas.microsoft.com/office/drawing/2014/main" id="{7746CAFB-2B99-470B-B55B-9BF378E3A04B}"/>
               </a:ext>
             </a:extLst>
           </p:cNvPr>
@@ -3271,7 +3282,7 @@
     </p:spTree>
     <p:extLst>
       <p:ext uri="{BB962C8B-B14F-4D97-AF65-F5344CB8AC3E}">
-        <p14:creationId xmlns="" xmlns:p14="http://schemas.microsoft.com/office/powerpoint/2010/main" val="1160496352"/>
+        <p14:creationId xmlns:p14="http://schemas.microsoft.com/office/powerpoint/2010/main" val="1160496352"/>
       </p:ext>
     </p:extLst>
   </p:cSld>
@@ -3303,7 +3314,7 @@
           <p:cNvPr id="17" name="Title 16">
             <a:extLst>
               <a:ext uri="{FF2B5EF4-FFF2-40B4-BE49-F238E27FC236}">
-                <a16:creationId xmlns="" xmlns:a16="http://schemas.microsoft.com/office/drawing/2014/main" id="{65237DA4-112F-40B2-8C8C-EB23506D9C45}"/>
+                <a16:creationId xmlns:a16="http://schemas.microsoft.com/office/drawing/2014/main" id="{65237DA4-112F-40B2-8C8C-EB23506D9C45}"/>
               </a:ext>
             </a:extLst>
           </p:cNvPr>
@@ -3362,7 +3373,7 @@
           <p:cNvPr id="3" name="Content Placeholder 2">
             <a:extLst>
               <a:ext uri="{FF2B5EF4-FFF2-40B4-BE49-F238E27FC236}">
-                <a16:creationId xmlns="" xmlns:a16="http://schemas.microsoft.com/office/drawing/2014/main" id="{90BF853D-76DB-46F3-AF6C-1E77C8E06AA9}"/>
+                <a16:creationId xmlns:a16="http://schemas.microsoft.com/office/drawing/2014/main" id="{90BF853D-76DB-46F3-AF6C-1E77C8E06AA9}"/>
               </a:ext>
             </a:extLst>
           </p:cNvPr>
@@ -3425,7 +3436,7 @@
           <p:cNvPr id="14" name="Slide Number Placeholder 13">
             <a:extLst>
               <a:ext uri="{FF2B5EF4-FFF2-40B4-BE49-F238E27FC236}">
-                <a16:creationId xmlns="" xmlns:a16="http://schemas.microsoft.com/office/drawing/2014/main" id="{7746CAFB-2B99-470B-B55B-9BF378E3A04B}"/>
+                <a16:creationId xmlns:a16="http://schemas.microsoft.com/office/drawing/2014/main" id="{7746CAFB-2B99-470B-B55B-9BF378E3A04B}"/>
               </a:ext>
             </a:extLst>
           </p:cNvPr>
@@ -3474,7 +3485,7 @@
     </p:spTree>
     <p:extLst>
       <p:ext uri="{BB962C8B-B14F-4D97-AF65-F5344CB8AC3E}">
-        <p14:creationId xmlns="" xmlns:p14="http://schemas.microsoft.com/office/powerpoint/2010/main" val="364498605"/>
+        <p14:creationId xmlns:p14="http://schemas.microsoft.com/office/powerpoint/2010/main" val="364498605"/>
       </p:ext>
     </p:extLst>
   </p:cSld>
@@ -3506,7 +3517,7 @@
           <p:cNvPr id="4" name="Slide Number Placeholder 3">
             <a:extLst>
               <a:ext uri="{FF2B5EF4-FFF2-40B4-BE49-F238E27FC236}">
-                <a16:creationId xmlns="" xmlns:a16="http://schemas.microsoft.com/office/drawing/2014/main" id="{0660D61A-B9FD-4DFF-AC42-4069DAFE238C}"/>
+                <a16:creationId xmlns:a16="http://schemas.microsoft.com/office/drawing/2014/main" id="{0660D61A-B9FD-4DFF-AC42-4069DAFE238C}"/>
               </a:ext>
             </a:extLst>
           </p:cNvPr>
@@ -3540,7 +3551,7 @@
           <p:cNvPr id="5" name="Content Placeholder 2">
             <a:extLst>
               <a:ext uri="{FF2B5EF4-FFF2-40B4-BE49-F238E27FC236}">
-                <a16:creationId xmlns="" xmlns:a16="http://schemas.microsoft.com/office/drawing/2014/main" id="{D68E6EF2-4B2F-4D0D-9505-CE92872972F7}"/>
+                <a16:creationId xmlns:a16="http://schemas.microsoft.com/office/drawing/2014/main" id="{D68E6EF2-4B2F-4D0D-9505-CE92872972F7}"/>
               </a:ext>
             </a:extLst>
           </p:cNvPr>
@@ -3603,7 +3614,7 @@
           <p:cNvPr id="6" name="Title 1">
             <a:extLst>
               <a:ext uri="{FF2B5EF4-FFF2-40B4-BE49-F238E27FC236}">
-                <a16:creationId xmlns="" xmlns:a16="http://schemas.microsoft.com/office/drawing/2014/main" id="{D91A21B9-BA54-413B-940E-027C32E4D429}"/>
+                <a16:creationId xmlns:a16="http://schemas.microsoft.com/office/drawing/2014/main" id="{D91A21B9-BA54-413B-940E-027C32E4D429}"/>
               </a:ext>
             </a:extLst>
           </p:cNvPr>
@@ -3649,7 +3660,7 @@
     </p:spTree>
     <p:extLst>
       <p:ext uri="{BB962C8B-B14F-4D97-AF65-F5344CB8AC3E}">
-        <p14:creationId xmlns="" xmlns:p14="http://schemas.microsoft.com/office/powerpoint/2010/main" val="3610051244"/>
+        <p14:creationId xmlns:p14="http://schemas.microsoft.com/office/powerpoint/2010/main" val="3610051244"/>
       </p:ext>
     </p:extLst>
   </p:cSld>
@@ -3681,7 +3692,7 @@
           <p:cNvPr id="2" name="Title 1">
             <a:extLst>
               <a:ext uri="{FF2B5EF4-FFF2-40B4-BE49-F238E27FC236}">
-                <a16:creationId xmlns="" xmlns:a16="http://schemas.microsoft.com/office/drawing/2014/main" id="{9722BDA7-8BE9-42D5-ACF1-0F51423A206E}"/>
+                <a16:creationId xmlns:a16="http://schemas.microsoft.com/office/drawing/2014/main" id="{9722BDA7-8BE9-42D5-ACF1-0F51423A206E}"/>
               </a:ext>
             </a:extLst>
           </p:cNvPr>
@@ -3719,7 +3730,7 @@
           <p:cNvPr id="3" name="Text Placeholder 2">
             <a:extLst>
               <a:ext uri="{FF2B5EF4-FFF2-40B4-BE49-F238E27FC236}">
-                <a16:creationId xmlns="" xmlns:a16="http://schemas.microsoft.com/office/drawing/2014/main" id="{71CEF73F-3CCA-4312-8E9C-2B4629DA1F66}"/>
+                <a16:creationId xmlns:a16="http://schemas.microsoft.com/office/drawing/2014/main" id="{71CEF73F-3CCA-4312-8E9C-2B4629DA1F66}"/>
               </a:ext>
             </a:extLst>
           </p:cNvPr>
@@ -3844,7 +3855,7 @@
           <p:cNvPr id="4" name="Slide Number Placeholder 3">
             <a:extLst>
               <a:ext uri="{FF2B5EF4-FFF2-40B4-BE49-F238E27FC236}">
-                <a16:creationId xmlns="" xmlns:a16="http://schemas.microsoft.com/office/drawing/2014/main" id="{293BF716-502C-4821-A3A0-19C2C508EED1}"/>
+                <a16:creationId xmlns:a16="http://schemas.microsoft.com/office/drawing/2014/main" id="{293BF716-502C-4821-A3A0-19C2C508EED1}"/>
               </a:ext>
             </a:extLst>
           </p:cNvPr>
@@ -3876,7 +3887,7 @@
     </p:spTree>
     <p:extLst>
       <p:ext uri="{BB962C8B-B14F-4D97-AF65-F5344CB8AC3E}">
-        <p14:creationId xmlns="" xmlns:p14="http://schemas.microsoft.com/office/powerpoint/2010/main" val="2665983131"/>
+        <p14:creationId xmlns:p14="http://schemas.microsoft.com/office/powerpoint/2010/main" val="2665983131"/>
       </p:ext>
     </p:extLst>
   </p:cSld>
@@ -3919,7 +3930,7 @@
           <p:cNvPr id="5" name="Picture 4">
             <a:extLst>
               <a:ext uri="{FF2B5EF4-FFF2-40B4-BE49-F238E27FC236}">
-                <a16:creationId xmlns="" xmlns:a16="http://schemas.microsoft.com/office/drawing/2014/main" id="{448E4AFE-E166-4B84-B0C8-9205038D8033}"/>
+                <a16:creationId xmlns:a16="http://schemas.microsoft.com/office/drawing/2014/main" id="{448E4AFE-E166-4B84-B0C8-9205038D8033}"/>
               </a:ext>
             </a:extLst>
           </p:cNvPr>
@@ -3932,7 +3943,7 @@
           <a:blip r:embed="rId16" cstate="screen">
             <a:extLst>
               <a:ext uri="{28A0092B-C50C-407E-A947-70E740481C1C}">
-                <a14:useLocalDpi xmlns="" xmlns:a14="http://schemas.microsoft.com/office/drawing/2010/main"/>
+                <a14:useLocalDpi xmlns:a14="http://schemas.microsoft.com/office/drawing/2010/main"/>
               </a:ext>
             </a:extLst>
           </a:blip>
@@ -3955,7 +3966,7 @@
           <p:cNvPr id="2" name="Title Placeholder 1">
             <a:extLst>
               <a:ext uri="{FF2B5EF4-FFF2-40B4-BE49-F238E27FC236}">
-                <a16:creationId xmlns="" xmlns:a16="http://schemas.microsoft.com/office/drawing/2014/main" id="{6C617517-B672-49BA-AC6E-AB66D0639A58}"/>
+                <a16:creationId xmlns:a16="http://schemas.microsoft.com/office/drawing/2014/main" id="{6C617517-B672-49BA-AC6E-AB66D0639A58}"/>
               </a:ext>
             </a:extLst>
           </p:cNvPr>
@@ -3994,7 +4005,7 @@
           <p:cNvPr id="3" name="Text Placeholder 2">
             <a:extLst>
               <a:ext uri="{FF2B5EF4-FFF2-40B4-BE49-F238E27FC236}">
-                <a16:creationId xmlns="" xmlns:a16="http://schemas.microsoft.com/office/drawing/2014/main" id="{6EC92C27-7843-4B22-9200-B7304E6AE4CD}"/>
+                <a16:creationId xmlns:a16="http://schemas.microsoft.com/office/drawing/2014/main" id="{6EC92C27-7843-4B22-9200-B7304E6AE4CD}"/>
               </a:ext>
             </a:extLst>
           </p:cNvPr>
@@ -4062,7 +4073,7 @@
           <p:cNvPr id="6" name="Slide Number Placeholder 5">
             <a:extLst>
               <a:ext uri="{FF2B5EF4-FFF2-40B4-BE49-F238E27FC236}">
-                <a16:creationId xmlns="" xmlns:a16="http://schemas.microsoft.com/office/drawing/2014/main" id="{52DB4F10-F75B-41A8-B994-BFF68949E59A}"/>
+                <a16:creationId xmlns:a16="http://schemas.microsoft.com/office/drawing/2014/main" id="{52DB4F10-F75B-41A8-B994-BFF68949E59A}"/>
               </a:ext>
             </a:extLst>
           </p:cNvPr>
@@ -4118,7 +4129,7 @@
           <p:cNvPr id="7" name="Rectangle 6">
             <a:extLst>
               <a:ext uri="{FF2B5EF4-FFF2-40B4-BE49-F238E27FC236}">
-                <a16:creationId xmlns="" xmlns:a16="http://schemas.microsoft.com/office/drawing/2014/main" id="{512D21E2-8DEB-4F43-A26E-B8DA900A9230}"/>
+                <a16:creationId xmlns:a16="http://schemas.microsoft.com/office/drawing/2014/main" id="{512D21E2-8DEB-4F43-A26E-B8DA900A9230}"/>
               </a:ext>
             </a:extLst>
           </p:cNvPr>
@@ -4181,7 +4192,7 @@
           <p:cNvPr id="8" name="Rectangle 7">
             <a:extLst>
               <a:ext uri="{FF2B5EF4-FFF2-40B4-BE49-F238E27FC236}">
-                <a16:creationId xmlns="" xmlns:a16="http://schemas.microsoft.com/office/drawing/2014/main" id="{35CD3143-7FD1-40EA-AA4A-47C72380AEC2}"/>
+                <a16:creationId xmlns:a16="http://schemas.microsoft.com/office/drawing/2014/main" id="{35CD3143-7FD1-40EA-AA4A-47C72380AEC2}"/>
               </a:ext>
             </a:extLst>
           </p:cNvPr>
@@ -4231,7 +4242,7 @@
     </p:spTree>
     <p:extLst>
       <p:ext uri="{BB962C8B-B14F-4D97-AF65-F5344CB8AC3E}">
-        <p14:creationId xmlns="" xmlns:p14="http://schemas.microsoft.com/office/powerpoint/2010/main" val="3853920126"/>
+        <p14:creationId xmlns:p14="http://schemas.microsoft.com/office/powerpoint/2010/main" val="3853920126"/>
       </p:ext>
     </p:extLst>
   </p:cSld>
@@ -4561,7 +4572,7 @@
           <p:cNvPr id="4" name="Title 3">
             <a:extLst>
               <a:ext uri="{FF2B5EF4-FFF2-40B4-BE49-F238E27FC236}">
-                <a16:creationId xmlns="" xmlns:a16="http://schemas.microsoft.com/office/drawing/2014/main" id="{E10C5037-DA4A-44E2-A9FB-84B1498768A7}"/>
+                <a16:creationId xmlns:a16="http://schemas.microsoft.com/office/drawing/2014/main" id="{E10C5037-DA4A-44E2-A9FB-84B1498768A7}"/>
               </a:ext>
             </a:extLst>
           </p:cNvPr>
@@ -4598,7 +4609,7 @@
           <p:cNvPr id="15" name="Slide Number Placeholder 14">
             <a:extLst>
               <a:ext uri="{FF2B5EF4-FFF2-40B4-BE49-F238E27FC236}">
-                <a16:creationId xmlns="" xmlns:a16="http://schemas.microsoft.com/office/drawing/2014/main" id="{26F5C050-EB87-421A-8A5C-E6CB30102699}"/>
+                <a16:creationId xmlns:a16="http://schemas.microsoft.com/office/drawing/2014/main" id="{26F5C050-EB87-421A-8A5C-E6CB30102699}"/>
               </a:ext>
             </a:extLst>
           </p:cNvPr>
@@ -4632,7 +4643,7 @@
           <p:cNvPr id="29" name="Picture Placeholder 28" descr="Young student drawing on a whiteboard">
             <a:extLst>
               <a:ext uri="{FF2B5EF4-FFF2-40B4-BE49-F238E27FC236}">
-                <a16:creationId xmlns="" xmlns:a16="http://schemas.microsoft.com/office/drawing/2014/main" id="{AE2FE2E9-1D1E-404B-A659-DD19B5D66B5B}"/>
+                <a16:creationId xmlns:a16="http://schemas.microsoft.com/office/drawing/2014/main" id="{AE2FE2E9-1D1E-404B-A659-DD19B5D66B5B}"/>
               </a:ext>
             </a:extLst>
           </p:cNvPr>
@@ -4647,7 +4658,7 @@
           <a:blip r:embed="rId2" cstate="screen">
             <a:extLst>
               <a:ext uri="{28A0092B-C50C-407E-A947-70E740481C1C}">
-                <a14:useLocalDpi xmlns="" xmlns:a14="http://schemas.microsoft.com/office/drawing/2010/main"/>
+                <a14:useLocalDpi xmlns:a14="http://schemas.microsoft.com/office/drawing/2010/main"/>
               </a:ext>
             </a:extLst>
           </a:blip>
@@ -4666,7 +4677,7 @@
     </p:spTree>
     <p:extLst>
       <p:ext uri="{BB962C8B-B14F-4D97-AF65-F5344CB8AC3E}">
-        <p14:creationId xmlns="" xmlns:p14="http://schemas.microsoft.com/office/powerpoint/2010/main" val="1136250268"/>
+        <p14:creationId xmlns:p14="http://schemas.microsoft.com/office/powerpoint/2010/main" val="1136250268"/>
       </p:ext>
     </p:extLst>
   </p:cSld>
@@ -4705,7 +4716,7 @@
           <p:cNvPr id="2" name="Title 1">
             <a:extLst>
               <a:ext uri="{FF2B5EF4-FFF2-40B4-BE49-F238E27FC236}">
-                <a16:creationId xmlns="" xmlns:a16="http://schemas.microsoft.com/office/drawing/2014/main" id="{E199600F-A17E-4354-A7AB-0CC2A43A9354}"/>
+                <a16:creationId xmlns:a16="http://schemas.microsoft.com/office/drawing/2014/main" id="{E199600F-A17E-4354-A7AB-0CC2A43A9354}"/>
               </a:ext>
             </a:extLst>
           </p:cNvPr>
@@ -4740,7 +4751,7 @@
           <p:cNvPr id="3" name="Content Placeholder 2">
             <a:extLst>
               <a:ext uri="{FF2B5EF4-FFF2-40B4-BE49-F238E27FC236}">
-                <a16:creationId xmlns="" xmlns:a16="http://schemas.microsoft.com/office/drawing/2014/main" id="{FA6A4B49-27C8-46B6-8B11-AD7E8F615E2C}"/>
+                <a16:creationId xmlns:a16="http://schemas.microsoft.com/office/drawing/2014/main" id="{FA6A4B49-27C8-46B6-8B11-AD7E8F615E2C}"/>
               </a:ext>
             </a:extLst>
           </p:cNvPr>
@@ -4801,7 +4812,7 @@
           <p:cNvPr id="4" name="Slide Number Placeholder 3">
             <a:extLst>
               <a:ext uri="{FF2B5EF4-FFF2-40B4-BE49-F238E27FC236}">
-                <a16:creationId xmlns="" xmlns:a16="http://schemas.microsoft.com/office/drawing/2014/main" id="{62B4CE3A-8C88-45AA-A849-57E5A7AC22C1}"/>
+                <a16:creationId xmlns:a16="http://schemas.microsoft.com/office/drawing/2014/main" id="{62B4CE3A-8C88-45AA-A849-57E5A7AC22C1}"/>
               </a:ext>
             </a:extLst>
           </p:cNvPr>
@@ -4840,7 +4851,7 @@
           <p:cNvPr id="11" name="Rectangle 10">
             <a:extLst>
               <a:ext uri="{FF2B5EF4-FFF2-40B4-BE49-F238E27FC236}">
-                <a16:creationId xmlns="" xmlns:a16="http://schemas.microsoft.com/office/drawing/2014/main" id="{5F253864-26FA-4AB1-9F0A-4F57D870EE85}"/>
+                <a16:creationId xmlns:a16="http://schemas.microsoft.com/office/drawing/2014/main" id="{5F253864-26FA-4AB1-9F0A-4F57D870EE85}"/>
               </a:ext>
               <a:ext uri="{C183D7F6-B498-43B3-948B-1728B52AA6E4}">
                 <adec:decorative xmlns="" xmlns:adec="http://schemas.microsoft.com/office/drawing/2017/decorative" val="1"/>
@@ -4905,7 +4916,7 @@
           <a:blip r:embed="rId2" cstate="print">
             <a:extLst>
               <a:ext uri="{28A0092B-C50C-407E-A947-70E740481C1C}">
-                <a14:useLocalDpi xmlns="" xmlns:a14="http://schemas.microsoft.com/office/drawing/2010/main" val="0"/>
+                <a14:useLocalDpi xmlns:a14="http://schemas.microsoft.com/office/drawing/2010/main" val="0"/>
               </a:ext>
             </a:extLst>
           </a:blip>
@@ -4926,7 +4937,7 @@
     </p:spTree>
     <p:extLst>
       <p:ext uri="{BB962C8B-B14F-4D97-AF65-F5344CB8AC3E}">
-        <p14:creationId xmlns="" xmlns:p14="http://schemas.microsoft.com/office/powerpoint/2010/main" val="1281103274"/>
+        <p14:creationId xmlns:p14="http://schemas.microsoft.com/office/powerpoint/2010/main" val="1281103274"/>
       </p:ext>
     </p:extLst>
   </p:cSld>
@@ -4965,7 +4976,7 @@
           <p:cNvPr id="2" name="Title 1">
             <a:extLst>
               <a:ext uri="{FF2B5EF4-FFF2-40B4-BE49-F238E27FC236}">
-                <a16:creationId xmlns="" xmlns:a16="http://schemas.microsoft.com/office/drawing/2014/main" id="{E199600F-A17E-4354-A7AB-0CC2A43A9354}"/>
+                <a16:creationId xmlns:a16="http://schemas.microsoft.com/office/drawing/2014/main" id="{E199600F-A17E-4354-A7AB-0CC2A43A9354}"/>
               </a:ext>
             </a:extLst>
           </p:cNvPr>
@@ -5023,23 +5034,17 @@
           <a:p>
             <a:r>
               <a:rPr lang="en-US" sz="2400" dirty="0" smtClean="0"/>
-              <a:t>Unary pre/post increment/decrement operators.</a:t>
+              <a:t>Relational </a:t>
+            </a:r>
+            <a:r>
+              <a:rPr lang="en-US" sz="2400" dirty="0" smtClean="0"/>
+              <a:t>operators.</a:t>
             </a:r>
           </a:p>
           <a:p>
             <a:r>
               <a:rPr lang="en-US" sz="2400" dirty="0" smtClean="0"/>
-              <a:t>Relational operators.</a:t>
-            </a:r>
-          </a:p>
-          <a:p>
-            <a:r>
-              <a:rPr lang="en-US" sz="2400" dirty="0" smtClean="0"/>
-              <a:t>Assignment operator</a:t>
-            </a:r>
-            <a:r>
-              <a:rPr lang="en-US" sz="2400" dirty="0" smtClean="0"/>
-              <a:t>.</a:t>
+              <a:t>Assignment operator.</a:t>
             </a:r>
           </a:p>
           <a:p>
@@ -5057,21 +5062,22 @@
           <a:p>
             <a:r>
               <a:rPr lang="en-US" sz="2400" dirty="0" smtClean="0"/>
-              <a:t>Bitwise operators.</a:t>
+              <a:t>Bitwise operators</a:t>
+            </a:r>
+            <a:r>
+              <a:rPr lang="en-US" sz="2400" dirty="0" smtClean="0"/>
+              <a:t>.</a:t>
             </a:r>
           </a:p>
           <a:p>
             <a:r>
-              <a:rPr lang="en-US" sz="2400" dirty="0"/>
-              <a:t>Post and Pre Unary Increment/Decrement </a:t>
+              <a:rPr lang="en-US" dirty="0"/>
+              <a:t>Unary pre/post increment/decrement operators</a:t>
             </a:r>
             <a:r>
-              <a:rPr lang="en-US" sz="2400" dirty="0" smtClean="0"/>
-              <a:t>Operators.</a:t>
+              <a:rPr lang="en-US" dirty="0" smtClean="0"/>
+              <a:t>.</a:t>
             </a:r>
-            <a:endParaRPr lang="en-US" sz="2400" dirty="0"/>
-          </a:p>
-          <a:p>
             <a:endParaRPr lang="en-US" sz="2200" dirty="0" smtClean="0"/>
           </a:p>
           <a:p>
@@ -5088,7 +5094,7 @@
           <p:cNvPr id="4" name="Slide Number Placeholder 3">
             <a:extLst>
               <a:ext uri="{FF2B5EF4-FFF2-40B4-BE49-F238E27FC236}">
-                <a16:creationId xmlns="" xmlns:a16="http://schemas.microsoft.com/office/drawing/2014/main" id="{62B4CE3A-8C88-45AA-A849-57E5A7AC22C1}"/>
+                <a16:creationId xmlns:a16="http://schemas.microsoft.com/office/drawing/2014/main" id="{62B4CE3A-8C88-45AA-A849-57E5A7AC22C1}"/>
               </a:ext>
             </a:extLst>
           </p:cNvPr>
@@ -5122,7 +5128,7 @@
           <p:cNvPr id="11" name="Rectangle 10">
             <a:extLst>
               <a:ext uri="{FF2B5EF4-FFF2-40B4-BE49-F238E27FC236}">
-                <a16:creationId xmlns="" xmlns:a16="http://schemas.microsoft.com/office/drawing/2014/main" id="{5F253864-26FA-4AB1-9F0A-4F57D870EE85}"/>
+                <a16:creationId xmlns:a16="http://schemas.microsoft.com/office/drawing/2014/main" id="{5F253864-26FA-4AB1-9F0A-4F57D870EE85}"/>
               </a:ext>
               <a:ext uri="{C183D7F6-B498-43B3-948B-1728B52AA6E4}">
                 <adec:decorative xmlns="" xmlns:adec="http://schemas.microsoft.com/office/drawing/2017/decorative" val="1"/>
@@ -5178,7 +5184,7 @@
     </p:spTree>
     <p:extLst>
       <p:ext uri="{BB962C8B-B14F-4D97-AF65-F5344CB8AC3E}">
-        <p14:creationId xmlns="" xmlns:p14="http://schemas.microsoft.com/office/powerpoint/2010/main" val="1287735390"/>
+        <p14:creationId xmlns:p14="http://schemas.microsoft.com/office/powerpoint/2010/main" val="1287735390"/>
       </p:ext>
     </p:extLst>
   </p:cSld>
@@ -5217,7 +5223,7 @@
           <p:cNvPr id="2" name="Title 1">
             <a:extLst>
               <a:ext uri="{FF2B5EF4-FFF2-40B4-BE49-F238E27FC236}">
-                <a16:creationId xmlns="" xmlns:a16="http://schemas.microsoft.com/office/drawing/2014/main" id="{E199600F-A17E-4354-A7AB-0CC2A43A9354}"/>
+                <a16:creationId xmlns:a16="http://schemas.microsoft.com/office/drawing/2014/main" id="{E199600F-A17E-4354-A7AB-0CC2A43A9354}"/>
               </a:ext>
             </a:extLst>
           </p:cNvPr>
@@ -5373,7 +5379,7 @@
           <p:cNvPr id="4" name="Slide Number Placeholder 3">
             <a:extLst>
               <a:ext uri="{FF2B5EF4-FFF2-40B4-BE49-F238E27FC236}">
-                <a16:creationId xmlns="" xmlns:a16="http://schemas.microsoft.com/office/drawing/2014/main" id="{62B4CE3A-8C88-45AA-A849-57E5A7AC22C1}"/>
+                <a16:creationId xmlns:a16="http://schemas.microsoft.com/office/drawing/2014/main" id="{62B4CE3A-8C88-45AA-A849-57E5A7AC22C1}"/>
               </a:ext>
             </a:extLst>
           </p:cNvPr>
@@ -5407,7 +5413,7 @@
           <p:cNvPr id="11" name="Rectangle 10">
             <a:extLst>
               <a:ext uri="{FF2B5EF4-FFF2-40B4-BE49-F238E27FC236}">
-                <a16:creationId xmlns="" xmlns:a16="http://schemas.microsoft.com/office/drawing/2014/main" id="{5F253864-26FA-4AB1-9F0A-4F57D870EE85}"/>
+                <a16:creationId xmlns:a16="http://schemas.microsoft.com/office/drawing/2014/main" id="{5F253864-26FA-4AB1-9F0A-4F57D870EE85}"/>
               </a:ext>
               <a:ext uri="{C183D7F6-B498-43B3-948B-1728B52AA6E4}">
                 <adec:decorative xmlns="" xmlns:adec="http://schemas.microsoft.com/office/drawing/2017/decorative" val="1"/>
@@ -5463,7 +5469,7 @@
     </p:spTree>
     <p:extLst>
       <p:ext uri="{BB962C8B-B14F-4D97-AF65-F5344CB8AC3E}">
-        <p14:creationId xmlns="" xmlns:p14="http://schemas.microsoft.com/office/powerpoint/2010/main" val="1170103651"/>
+        <p14:creationId xmlns:p14="http://schemas.microsoft.com/office/powerpoint/2010/main" val="1170103651"/>
       </p:ext>
     </p:extLst>
   </p:cSld>
@@ -5502,7 +5508,7 @@
           <p:cNvPr id="2" name="Title 1">
             <a:extLst>
               <a:ext uri="{FF2B5EF4-FFF2-40B4-BE49-F238E27FC236}">
-                <a16:creationId xmlns="" xmlns:a16="http://schemas.microsoft.com/office/drawing/2014/main" id="{E199600F-A17E-4354-A7AB-0CC2A43A9354}"/>
+                <a16:creationId xmlns:a16="http://schemas.microsoft.com/office/drawing/2014/main" id="{E199600F-A17E-4354-A7AB-0CC2A43A9354}"/>
               </a:ext>
             </a:extLst>
           </p:cNvPr>
@@ -5611,7 +5617,7 @@
           <p:cNvPr id="4" name="Slide Number Placeholder 3">
             <a:extLst>
               <a:ext uri="{FF2B5EF4-FFF2-40B4-BE49-F238E27FC236}">
-                <a16:creationId xmlns="" xmlns:a16="http://schemas.microsoft.com/office/drawing/2014/main" id="{62B4CE3A-8C88-45AA-A849-57E5A7AC22C1}"/>
+                <a16:creationId xmlns:a16="http://schemas.microsoft.com/office/drawing/2014/main" id="{62B4CE3A-8C88-45AA-A849-57E5A7AC22C1}"/>
               </a:ext>
             </a:extLst>
           </p:cNvPr>
@@ -5645,7 +5651,7 @@
           <p:cNvPr id="11" name="Rectangle 10">
             <a:extLst>
               <a:ext uri="{FF2B5EF4-FFF2-40B4-BE49-F238E27FC236}">
-                <a16:creationId xmlns="" xmlns:a16="http://schemas.microsoft.com/office/drawing/2014/main" id="{5F253864-26FA-4AB1-9F0A-4F57D870EE85}"/>
+                <a16:creationId xmlns:a16="http://schemas.microsoft.com/office/drawing/2014/main" id="{5F253864-26FA-4AB1-9F0A-4F57D870EE85}"/>
               </a:ext>
               <a:ext uri="{C183D7F6-B498-43B3-948B-1728B52AA6E4}">
                 <adec:decorative xmlns="" xmlns:adec="http://schemas.microsoft.com/office/drawing/2017/decorative" val="1"/>
@@ -5701,7 +5707,7 @@
     </p:spTree>
     <p:extLst>
       <p:ext uri="{BB962C8B-B14F-4D97-AF65-F5344CB8AC3E}">
-        <p14:creationId xmlns="" xmlns:p14="http://schemas.microsoft.com/office/powerpoint/2010/main" val="1783244618"/>
+        <p14:creationId xmlns:p14="http://schemas.microsoft.com/office/powerpoint/2010/main" val="1783244618"/>
       </p:ext>
     </p:extLst>
   </p:cSld>
@@ -5740,230 +5746,7 @@
           <p:cNvPr id="2" name="Title 1">
             <a:extLst>
               <a:ext uri="{FF2B5EF4-FFF2-40B4-BE49-F238E27FC236}">
-                <a16:creationId xmlns="" xmlns:a16="http://schemas.microsoft.com/office/drawing/2014/main" id="{E199600F-A17E-4354-A7AB-0CC2A43A9354}"/>
-              </a:ext>
-            </a:extLst>
-          </p:cNvPr>
-          <p:cNvSpPr>
-            <a:spLocks noGrp="1"/>
-          </p:cNvSpPr>
-          <p:nvPr>
-            <p:ph type="title"/>
-          </p:nvPr>
-        </p:nvSpPr>
-        <p:spPr>
-          <a:xfrm>
-            <a:off x="838199" y="611080"/>
-            <a:ext cx="10515600" cy="833663"/>
-          </a:xfrm>
-        </p:spPr>
-        <p:txBody>
-          <a:bodyPr/>
-          <a:lstStyle/>
-          <a:p>
-            <a:pPr algn="ctr"/>
-            <a:r>
-              <a:rPr lang="en-US" dirty="0" smtClean="0"/>
-              <a:t>Operator Precedence &amp; Associativity </a:t>
-            </a:r>
-            <a:endParaRPr lang="en-US" dirty="0"/>
-          </a:p>
-        </p:txBody>
-      </p:sp>
-      <p:sp>
-        <p:nvSpPr>
-          <p:cNvPr id="3" name="Content Placeholder 2">
-            <a:extLst>
-              <a:ext uri="{FF2B5EF4-FFF2-40B4-BE49-F238E27FC236}">
-                <a16:creationId xmlns="" xmlns:a16="http://schemas.microsoft.com/office/drawing/2014/main" id="{FA6A4B49-27C8-46B6-8B11-AD7E8F615E2C}"/>
-              </a:ext>
-            </a:extLst>
-          </p:cNvPr>
-          <p:cNvSpPr>
-            <a:spLocks noGrp="1"/>
-          </p:cNvSpPr>
-          <p:nvPr>
-            <p:ph idx="1"/>
-          </p:nvPr>
-        </p:nvSpPr>
-        <p:spPr>
-          <a:xfrm>
-            <a:off x="838199" y="1825625"/>
-            <a:ext cx="10461171" cy="4351338"/>
-          </a:xfrm>
-        </p:spPr>
-        <p:txBody>
-          <a:bodyPr>
-            <a:normAutofit/>
-          </a:bodyPr>
-          <a:lstStyle/>
-          <a:p>
-            <a:r>
-              <a:rPr lang="en-US" dirty="0"/>
-              <a:t>As there exist rules for evaluating operators in mathematics known as BODMAS similarly their exist rules for evaluating expressions in java</a:t>
-            </a:r>
-            <a:r>
-              <a:rPr lang="en-US" dirty="0" smtClean="0"/>
-              <a:t>.</a:t>
-            </a:r>
-          </a:p>
-          <a:p>
-            <a:r>
-              <a:rPr lang="en-US" sz="2000" noProof="1" smtClean="0"/>
-              <a:t>In java too arithmetic operations are governed by BODMAS rule but since there are other operations like logical ,relational etc.</a:t>
-            </a:r>
-          </a:p>
-          <a:p>
-            <a:r>
-              <a:rPr lang="en-US" noProof="1" smtClean="0"/>
-              <a:t>Use parenthesis to alter the order of evaluation of expression.</a:t>
-            </a:r>
-          </a:p>
-          <a:p>
-            <a:endParaRPr lang="en-US" sz="2000" noProof="1"/>
-          </a:p>
-        </p:txBody>
-      </p:sp>
-      <p:sp>
-        <p:nvSpPr>
-          <p:cNvPr id="4" name="Slide Number Placeholder 3">
-            <a:extLst>
-              <a:ext uri="{FF2B5EF4-FFF2-40B4-BE49-F238E27FC236}">
-                <a16:creationId xmlns="" xmlns:a16="http://schemas.microsoft.com/office/drawing/2014/main" id="{62B4CE3A-8C88-45AA-A849-57E5A7AC22C1}"/>
-              </a:ext>
-            </a:extLst>
-          </p:cNvPr>
-          <p:cNvSpPr>
-            <a:spLocks noGrp="1"/>
-          </p:cNvSpPr>
-          <p:nvPr>
-            <p:ph type="sldNum" sz="quarter" idx="10"/>
-          </p:nvPr>
-        </p:nvSpPr>
-        <p:spPr>
-          <a:xfrm>
-            <a:off x="11353800" y="6361475"/>
-            <a:ext cx="838200" cy="360000"/>
-          </a:xfrm>
-        </p:spPr>
-        <p:txBody>
-          <a:bodyPr/>
-          <a:lstStyle/>
-          <a:p>
-            <a:r>
-              <a:rPr lang="en-US" dirty="0"/>
-              <a:t>PAGE </a:t>
-            </a:r>
-            <a:fld id="{4A9B5881-4007-4345-955A-79C2656F0C49}" type="slidenum">
-              <a:rPr lang="en-US" smtClean="0"/>
-              <a:pPr/>
-              <a:t>6</a:t>
-            </a:fld>
-            <a:endParaRPr lang="en-US" dirty="0"/>
-          </a:p>
-        </p:txBody>
-      </p:sp>
-      <p:sp>
-        <p:nvSpPr>
-          <p:cNvPr id="11" name="Rectangle 10">
-            <a:extLst>
-              <a:ext uri="{FF2B5EF4-FFF2-40B4-BE49-F238E27FC236}">
-                <a16:creationId xmlns="" xmlns:a16="http://schemas.microsoft.com/office/drawing/2014/main" id="{5F253864-26FA-4AB1-9F0A-4F57D870EE85}"/>
-              </a:ext>
-              <a:ext uri="{C183D7F6-B498-43B3-948B-1728B52AA6E4}">
-                <adec:decorative xmlns="" xmlns:adec="http://schemas.microsoft.com/office/drawing/2017/decorative" val="1"/>
-              </a:ext>
-            </a:extLst>
-          </p:cNvPr>
-          <p:cNvSpPr/>
-          <p:nvPr/>
-        </p:nvSpPr>
-        <p:spPr>
-          <a:xfrm>
-            <a:off x="6249555" y="6562004"/>
-            <a:ext cx="2552123" cy="159471"/>
-          </a:xfrm>
-          <a:prstGeom prst="rect">
-            <a:avLst/>
-          </a:prstGeom>
-          <a:solidFill>
-            <a:schemeClr val="tx1">
-              <a:lumMod val="85000"/>
-              <a:lumOff val="15000"/>
-            </a:schemeClr>
-          </a:solidFill>
-          <a:ln>
-            <a:noFill/>
-          </a:ln>
-        </p:spPr>
-        <p:style>
-          <a:lnRef idx="2">
-            <a:schemeClr val="accent1">
-              <a:shade val="50000"/>
-            </a:schemeClr>
-          </a:lnRef>
-          <a:fillRef idx="1">
-            <a:schemeClr val="accent1"/>
-          </a:fillRef>
-          <a:effectRef idx="0">
-            <a:schemeClr val="accent1"/>
-          </a:effectRef>
-          <a:fontRef idx="minor">
-            <a:schemeClr val="lt1"/>
-          </a:fontRef>
-        </p:style>
-        <p:txBody>
-          <a:bodyPr anchor="ctr"/>
-          <a:lstStyle/>
-          <a:p>
-            <a:pPr algn="ctr"/>
-            <a:endParaRPr lang="en-US" sz="1200" dirty="0"/>
-          </a:p>
-        </p:txBody>
-      </p:sp>
-    </p:spTree>
-    <p:extLst>
-      <p:ext uri="{BB962C8B-B14F-4D97-AF65-F5344CB8AC3E}">
-        <p14:creationId xmlns="" xmlns:p14="http://schemas.microsoft.com/office/powerpoint/2010/main" val="3709667783"/>
-      </p:ext>
-    </p:extLst>
-  </p:cSld>
-  <p:clrMapOvr>
-    <a:masterClrMapping/>
-  </p:clrMapOvr>
-  <p:timing>
-    <p:tnLst>
-      <p:par>
-        <p:cTn id="1" dur="indefinite" restart="never" nodeType="tmRoot"/>
-      </p:par>
-    </p:tnLst>
-  </p:timing>
-</p:sld>
-</file>
-
-<file path=ppt/slides/slide7.xml><?xml version="1.0" encoding="utf-8"?>
-<p:sld xmlns:a="http://schemas.openxmlformats.org/drawingml/2006/main" xmlns:r="http://schemas.openxmlformats.org/officeDocument/2006/relationships" xmlns:p="http://schemas.openxmlformats.org/presentationml/2006/main">
-  <p:cSld>
-    <p:spTree>
-      <p:nvGrpSpPr>
-        <p:cNvPr id="1" name=""/>
-        <p:cNvGrpSpPr/>
-        <p:nvPr/>
-      </p:nvGrpSpPr>
-      <p:grpSpPr>
-        <a:xfrm>
-          <a:off x="0" y="0"/>
-          <a:ext cx="0" cy="0"/>
-          <a:chOff x="0" y="0"/>
-          <a:chExt cx="0" cy="0"/>
-        </a:xfrm>
-      </p:grpSpPr>
-      <p:sp>
-        <p:nvSpPr>
-          <p:cNvPr id="2" name="Title 1">
-            <a:extLst>
-              <a:ext uri="{FF2B5EF4-FFF2-40B4-BE49-F238E27FC236}">
-                <a16:creationId xmlns="" xmlns:a16="http://schemas.microsoft.com/office/drawing/2014/main" id="{E199600F-A17E-4354-A7AB-0CC2A43A9354}"/>
+                <a16:creationId xmlns:a16="http://schemas.microsoft.com/office/drawing/2014/main" id="{E199600F-A17E-4354-A7AB-0CC2A43A9354}"/>
               </a:ext>
             </a:extLst>
           </p:cNvPr>
@@ -5998,7 +5781,7 @@
           <p:cNvPr id="4" name="Slide Number Placeholder 3">
             <a:extLst>
               <a:ext uri="{FF2B5EF4-FFF2-40B4-BE49-F238E27FC236}">
-                <a16:creationId xmlns="" xmlns:a16="http://schemas.microsoft.com/office/drawing/2014/main" id="{62B4CE3A-8C88-45AA-A849-57E5A7AC22C1}"/>
+                <a16:creationId xmlns:a16="http://schemas.microsoft.com/office/drawing/2014/main" id="{62B4CE3A-8C88-45AA-A849-57E5A7AC22C1}"/>
               </a:ext>
             </a:extLst>
           </p:cNvPr>
@@ -6021,7 +5804,7 @@
             <a:fld id="{4A9B5881-4007-4345-955A-79C2656F0C49}" type="slidenum">
               <a:rPr lang="en-US" smtClean="0"/>
               <a:pPr/>
-              <a:t>7</a:t>
+              <a:t>6</a:t>
             </a:fld>
             <a:endParaRPr lang="en-US" dirty="0"/>
           </a:p>
@@ -6032,7 +5815,7 @@
           <p:cNvPr id="11" name="Rectangle 10">
             <a:extLst>
               <a:ext uri="{FF2B5EF4-FFF2-40B4-BE49-F238E27FC236}">
-                <a16:creationId xmlns="" xmlns:a16="http://schemas.microsoft.com/office/drawing/2014/main" id="{5F253864-26FA-4AB1-9F0A-4F57D870EE85}"/>
+                <a16:creationId xmlns:a16="http://schemas.microsoft.com/office/drawing/2014/main" id="{5F253864-26FA-4AB1-9F0A-4F57D870EE85}"/>
               </a:ext>
               <a:ext uri="{C183D7F6-B498-43B3-948B-1728B52AA6E4}">
                 <adec:decorative xmlns="" xmlns:adec="http://schemas.microsoft.com/office/drawing/2017/decorative" val="1"/>
@@ -6102,11 +5885,41 @@
             <a:tbl>
               <a:tblPr/>
               <a:tblGrid>
-                <a:gridCol w="970839"/>
-                <a:gridCol w="1367413"/>
-                <a:gridCol w="2468873"/>
-                <a:gridCol w="1623581"/>
-                <a:gridCol w="1171878"/>
+                <a:gridCol w="970839">
+                  <a:extLst>
+                    <a:ext uri="{9D8B030D-6E8A-4147-A177-3AD203B41FA5}">
+                      <a16:colId xmlns:a16="http://schemas.microsoft.com/office/drawing/2014/main" val="20000"/>
+                    </a:ext>
+                  </a:extLst>
+                </a:gridCol>
+                <a:gridCol w="1367413">
+                  <a:extLst>
+                    <a:ext uri="{9D8B030D-6E8A-4147-A177-3AD203B41FA5}">
+                      <a16:colId xmlns:a16="http://schemas.microsoft.com/office/drawing/2014/main" val="20001"/>
+                    </a:ext>
+                  </a:extLst>
+                </a:gridCol>
+                <a:gridCol w="2468873">
+                  <a:extLst>
+                    <a:ext uri="{9D8B030D-6E8A-4147-A177-3AD203B41FA5}">
+                      <a16:colId xmlns:a16="http://schemas.microsoft.com/office/drawing/2014/main" val="20002"/>
+                    </a:ext>
+                  </a:extLst>
+                </a:gridCol>
+                <a:gridCol w="1623581">
+                  <a:extLst>
+                    <a:ext uri="{9D8B030D-6E8A-4147-A177-3AD203B41FA5}">
+                      <a16:colId xmlns:a16="http://schemas.microsoft.com/office/drawing/2014/main" val="20003"/>
+                    </a:ext>
+                  </a:extLst>
+                </a:gridCol>
+                <a:gridCol w="1171878">
+                  <a:extLst>
+                    <a:ext uri="{9D8B030D-6E8A-4147-A177-3AD203B41FA5}">
+                      <a16:colId xmlns:a16="http://schemas.microsoft.com/office/drawing/2014/main" val="20004"/>
+                    </a:ext>
+                  </a:extLst>
+                </a:gridCol>
               </a:tblGrid>
               <a:tr h="0">
                 <a:tc>
@@ -6474,6 +6287,11 @@
                     </a:solidFill>
                   </a:tcPr>
                 </a:tc>
+                <a:extLst>
+                  <a:ext uri="{0D108BD9-81ED-4DB2-BD59-A6C34878D82A}">
+                    <a16:rowId xmlns:a16="http://schemas.microsoft.com/office/drawing/2014/main" val="10000"/>
+                  </a:ext>
+                </a:extLst>
               </a:tr>
               <a:tr h="129016">
                 <a:tc rowSpan="3">
@@ -6851,6 +6669,11 @@
                     </a:solidFill>
                   </a:tcPr>
                 </a:tc>
+                <a:extLst>
+                  <a:ext uri="{0D108BD9-81ED-4DB2-BD59-A6C34878D82A}">
+                    <a16:rowId xmlns:a16="http://schemas.microsoft.com/office/drawing/2014/main" val="10001"/>
+                  </a:ext>
+                </a:extLst>
               </a:tr>
               <a:tr h="129016">
                 <a:tc vMerge="1">
@@ -7013,6 +6836,11 @@
                   </a:txBody>
                   <a:tcPr/>
                 </a:tc>
+                <a:extLst>
+                  <a:ext uri="{0D108BD9-81ED-4DB2-BD59-A6C34878D82A}">
+                    <a16:rowId xmlns:a16="http://schemas.microsoft.com/office/drawing/2014/main" val="10002"/>
+                  </a:ext>
+                </a:extLst>
               </a:tr>
               <a:tr h="129016">
                 <a:tc vMerge="1">
@@ -7039,7 +6867,7 @@
                         </a:spcAft>
                       </a:pPr>
                       <a:r>
-                        <a:rPr lang="en-IN" sz="700">
+                        <a:rPr lang="en-IN" sz="700" dirty="0">
                           <a:latin typeface="Calibri"/>
                           <a:ea typeface="Calibri"/>
                           <a:cs typeface="Times New Roman"/>
@@ -7175,6 +7003,11 @@
                   </a:txBody>
                   <a:tcPr/>
                 </a:tc>
+                <a:extLst>
+                  <a:ext uri="{0D108BD9-81ED-4DB2-BD59-A6C34878D82A}">
+                    <a16:rowId xmlns:a16="http://schemas.microsoft.com/office/drawing/2014/main" val="10003"/>
+                  </a:ext>
+                </a:extLst>
               </a:tr>
               <a:tr h="129016">
                 <a:tc rowSpan="2">
@@ -7261,7 +7094,7 @@
                         </a:spcAft>
                       </a:pPr>
                       <a:r>
-                        <a:rPr lang="en-IN" sz="700">
+                        <a:rPr lang="en-IN" sz="700" dirty="0">
                           <a:latin typeface="Calibri"/>
                           <a:ea typeface="Calibri"/>
                           <a:cs typeface="Times New Roman"/>
@@ -7507,6 +7340,11 @@
                     </a:solidFill>
                   </a:tcPr>
                 </a:tc>
+                <a:extLst>
+                  <a:ext uri="{0D108BD9-81ED-4DB2-BD59-A6C34878D82A}">
+                    <a16:rowId xmlns:a16="http://schemas.microsoft.com/office/drawing/2014/main" val="10004"/>
+                  </a:ext>
+                </a:extLst>
               </a:tr>
               <a:tr h="129016">
                 <a:tc vMerge="1">
@@ -7533,13 +7371,18 @@
                         </a:spcAft>
                       </a:pPr>
                       <a:r>
-                        <a:rPr lang="en-IN" sz="700">
+                        <a:rPr lang="en-IN" sz="700" dirty="0" smtClean="0">
                           <a:latin typeface="Calibri"/>
                           <a:ea typeface="Calibri"/>
                           <a:cs typeface="Times New Roman"/>
                         </a:rPr>
                         <a:t>--</a:t>
                       </a:r>
+                      <a:endParaRPr lang="en-IN" sz="700" dirty="0">
+                        <a:latin typeface="Calibri"/>
+                        <a:ea typeface="Calibri"/>
+                        <a:cs typeface="Times New Roman"/>
+                      </a:endParaRPr>
                     </a:p>
                   </a:txBody>
                   <a:tcPr marL="45895" marR="45895" marT="0" marB="0">
@@ -7669,6 +7512,11 @@
                   </a:txBody>
                   <a:tcPr/>
                 </a:tc>
+                <a:extLst>
+                  <a:ext uri="{0D108BD9-81ED-4DB2-BD59-A6C34878D82A}">
+                    <a16:rowId xmlns:a16="http://schemas.microsoft.com/office/drawing/2014/main" val="10005"/>
+                  </a:ext>
+                </a:extLst>
               </a:tr>
               <a:tr h="129016">
                 <a:tc rowSpan="7">
@@ -8122,6 +7970,11 @@
                     </a:solidFill>
                   </a:tcPr>
                 </a:tc>
+                <a:extLst>
+                  <a:ext uri="{0D108BD9-81ED-4DB2-BD59-A6C34878D82A}">
+                    <a16:rowId xmlns:a16="http://schemas.microsoft.com/office/drawing/2014/main" val="10006"/>
+                  </a:ext>
+                </a:extLst>
               </a:tr>
               <a:tr h="129016">
                 <a:tc vMerge="1">
@@ -8284,6 +8137,11 @@
                   </a:txBody>
                   <a:tcPr/>
                 </a:tc>
+                <a:extLst>
+                  <a:ext uri="{0D108BD9-81ED-4DB2-BD59-A6C34878D82A}">
+                    <a16:rowId xmlns:a16="http://schemas.microsoft.com/office/drawing/2014/main" val="10007"/>
+                  </a:ext>
+                </a:extLst>
               </a:tr>
               <a:tr h="129016">
                 <a:tc vMerge="1">
@@ -8446,6 +8304,11 @@
                   </a:txBody>
                   <a:tcPr/>
                 </a:tc>
+                <a:extLst>
+                  <a:ext uri="{0D108BD9-81ED-4DB2-BD59-A6C34878D82A}">
+                    <a16:rowId xmlns:a16="http://schemas.microsoft.com/office/drawing/2014/main" val="10008"/>
+                  </a:ext>
+                </a:extLst>
               </a:tr>
               <a:tr h="129016">
                 <a:tc vMerge="1">
@@ -8608,6 +8471,11 @@
                   </a:txBody>
                   <a:tcPr/>
                 </a:tc>
+                <a:extLst>
+                  <a:ext uri="{0D108BD9-81ED-4DB2-BD59-A6C34878D82A}">
+                    <a16:rowId xmlns:a16="http://schemas.microsoft.com/office/drawing/2014/main" val="10009"/>
+                  </a:ext>
+                </a:extLst>
               </a:tr>
               <a:tr h="129016">
                 <a:tc vMerge="1">
@@ -8770,6 +8638,11 @@
                   </a:txBody>
                   <a:tcPr/>
                 </a:tc>
+                <a:extLst>
+                  <a:ext uri="{0D108BD9-81ED-4DB2-BD59-A6C34878D82A}">
+                    <a16:rowId xmlns:a16="http://schemas.microsoft.com/office/drawing/2014/main" val="10010"/>
+                  </a:ext>
+                </a:extLst>
               </a:tr>
               <a:tr h="129016">
                 <a:tc vMerge="1">
@@ -8932,6 +8805,11 @@
                   </a:txBody>
                   <a:tcPr/>
                 </a:tc>
+                <a:extLst>
+                  <a:ext uri="{0D108BD9-81ED-4DB2-BD59-A6C34878D82A}">
+                    <a16:rowId xmlns:a16="http://schemas.microsoft.com/office/drawing/2014/main" val="10011"/>
+                  </a:ext>
+                </a:extLst>
               </a:tr>
               <a:tr h="129016">
                 <a:tc vMerge="1">
@@ -9094,6 +8972,11 @@
                   </a:txBody>
                   <a:tcPr/>
                 </a:tc>
+                <a:extLst>
+                  <a:ext uri="{0D108BD9-81ED-4DB2-BD59-A6C34878D82A}">
+                    <a16:rowId xmlns:a16="http://schemas.microsoft.com/office/drawing/2014/main" val="10012"/>
+                  </a:ext>
+                </a:extLst>
               </a:tr>
               <a:tr h="129016">
                 <a:tc rowSpan="3">
@@ -9471,6 +9354,11 @@
                     </a:solidFill>
                   </a:tcPr>
                 </a:tc>
+                <a:extLst>
+                  <a:ext uri="{0D108BD9-81ED-4DB2-BD59-A6C34878D82A}">
+                    <a16:rowId xmlns:a16="http://schemas.microsoft.com/office/drawing/2014/main" val="10013"/>
+                  </a:ext>
+                </a:extLst>
               </a:tr>
               <a:tr h="129016">
                 <a:tc vMerge="1">
@@ -9633,6 +9521,11 @@
                   </a:txBody>
                   <a:tcPr/>
                 </a:tc>
+                <a:extLst>
+                  <a:ext uri="{0D108BD9-81ED-4DB2-BD59-A6C34878D82A}">
+                    <a16:rowId xmlns:a16="http://schemas.microsoft.com/office/drawing/2014/main" val="10014"/>
+                  </a:ext>
+                </a:extLst>
               </a:tr>
               <a:tr h="129016">
                 <a:tc vMerge="1">
@@ -9795,6 +9688,11 @@
                   </a:txBody>
                   <a:tcPr/>
                 </a:tc>
+                <a:extLst>
+                  <a:ext uri="{0D108BD9-81ED-4DB2-BD59-A6C34878D82A}">
+                    <a16:rowId xmlns:a16="http://schemas.microsoft.com/office/drawing/2014/main" val="10015"/>
+                  </a:ext>
+                </a:extLst>
               </a:tr>
               <a:tr h="129016">
                 <a:tc rowSpan="2">
@@ -10127,6 +10025,11 @@
                     </a:solidFill>
                   </a:tcPr>
                 </a:tc>
+                <a:extLst>
+                  <a:ext uri="{0D108BD9-81ED-4DB2-BD59-A6C34878D82A}">
+                    <a16:rowId xmlns:a16="http://schemas.microsoft.com/office/drawing/2014/main" val="10016"/>
+                  </a:ext>
+                </a:extLst>
               </a:tr>
               <a:tr h="129016">
                 <a:tc vMerge="1">
@@ -10289,6 +10192,11 @@
                   </a:txBody>
                   <a:tcPr/>
                 </a:tc>
+                <a:extLst>
+                  <a:ext uri="{0D108BD9-81ED-4DB2-BD59-A6C34878D82A}">
+                    <a16:rowId xmlns:a16="http://schemas.microsoft.com/office/drawing/2014/main" val="10017"/>
+                  </a:ext>
+                </a:extLst>
               </a:tr>
               <a:tr h="129016">
                 <a:tc rowSpan="3">
@@ -10712,6 +10620,11 @@
                     </a:solidFill>
                   </a:tcPr>
                 </a:tc>
+                <a:extLst>
+                  <a:ext uri="{0D108BD9-81ED-4DB2-BD59-A6C34878D82A}">
+                    <a16:rowId xmlns:a16="http://schemas.microsoft.com/office/drawing/2014/main" val="10018"/>
+                  </a:ext>
+                </a:extLst>
               </a:tr>
               <a:tr h="258032">
                 <a:tc vMerge="1">
@@ -10874,6 +10787,11 @@
                   </a:txBody>
                   <a:tcPr/>
                 </a:tc>
+                <a:extLst>
+                  <a:ext uri="{0D108BD9-81ED-4DB2-BD59-A6C34878D82A}">
+                    <a16:rowId xmlns:a16="http://schemas.microsoft.com/office/drawing/2014/main" val="10019"/>
+                  </a:ext>
+                </a:extLst>
               </a:tr>
               <a:tr h="258032">
                 <a:tc vMerge="1">
@@ -11036,6 +10954,11 @@
                   </a:txBody>
                   <a:tcPr/>
                 </a:tc>
+                <a:extLst>
+                  <a:ext uri="{0D108BD9-81ED-4DB2-BD59-A6C34878D82A}">
+                    <a16:rowId xmlns:a16="http://schemas.microsoft.com/office/drawing/2014/main" val="10020"/>
+                  </a:ext>
+                </a:extLst>
               </a:tr>
               <a:tr h="129016">
                 <a:tc rowSpan="4">
@@ -11413,6 +11336,11 @@
                     </a:solidFill>
                   </a:tcPr>
                 </a:tc>
+                <a:extLst>
+                  <a:ext uri="{0D108BD9-81ED-4DB2-BD59-A6C34878D82A}">
+                    <a16:rowId xmlns:a16="http://schemas.microsoft.com/office/drawing/2014/main" val="10021"/>
+                  </a:ext>
+                </a:extLst>
               </a:tr>
               <a:tr h="129016">
                 <a:tc vMerge="1">
@@ -11575,6 +11503,11 @@
                   </a:txBody>
                   <a:tcPr/>
                 </a:tc>
+                <a:extLst>
+                  <a:ext uri="{0D108BD9-81ED-4DB2-BD59-A6C34878D82A}">
+                    <a16:rowId xmlns:a16="http://schemas.microsoft.com/office/drawing/2014/main" val="10022"/>
+                  </a:ext>
+                </a:extLst>
               </a:tr>
               <a:tr h="129016">
                 <a:tc vMerge="1">
@@ -11737,6 +11670,11 @@
                   </a:txBody>
                   <a:tcPr/>
                 </a:tc>
+                <a:extLst>
+                  <a:ext uri="{0D108BD9-81ED-4DB2-BD59-A6C34878D82A}">
+                    <a16:rowId xmlns:a16="http://schemas.microsoft.com/office/drawing/2014/main" val="10023"/>
+                  </a:ext>
+                </a:extLst>
               </a:tr>
               <a:tr h="129016">
                 <a:tc vMerge="1">
@@ -11899,6 +11837,11 @@
                   </a:txBody>
                   <a:tcPr/>
                 </a:tc>
+                <a:extLst>
+                  <a:ext uri="{0D108BD9-81ED-4DB2-BD59-A6C34878D82A}">
+                    <a16:rowId xmlns:a16="http://schemas.microsoft.com/office/drawing/2014/main" val="10024"/>
+                  </a:ext>
+                </a:extLst>
               </a:tr>
               <a:tr h="129016">
                 <a:tc rowSpan="2">
@@ -12231,6 +12174,11 @@
                     </a:solidFill>
                   </a:tcPr>
                 </a:tc>
+                <a:extLst>
+                  <a:ext uri="{0D108BD9-81ED-4DB2-BD59-A6C34878D82A}">
+                    <a16:rowId xmlns:a16="http://schemas.microsoft.com/office/drawing/2014/main" val="10025"/>
+                  </a:ext>
+                </a:extLst>
               </a:tr>
               <a:tr h="129016">
                 <a:tc vMerge="1">
@@ -12393,6 +12341,11 @@
                   </a:txBody>
                   <a:tcPr/>
                 </a:tc>
+                <a:extLst>
+                  <a:ext uri="{0D108BD9-81ED-4DB2-BD59-A6C34878D82A}">
+                    <a16:rowId xmlns:a16="http://schemas.microsoft.com/office/drawing/2014/main" val="10026"/>
+                  </a:ext>
+                </a:extLst>
               </a:tr>
               <a:tr h="129016">
                 <a:tc>
@@ -12725,6 +12678,11 @@
                     </a:solidFill>
                   </a:tcPr>
                 </a:tc>
+                <a:extLst>
+                  <a:ext uri="{0D108BD9-81ED-4DB2-BD59-A6C34878D82A}">
+                    <a16:rowId xmlns:a16="http://schemas.microsoft.com/office/drawing/2014/main" val="10027"/>
+                  </a:ext>
+                </a:extLst>
               </a:tr>
               <a:tr h="129016">
                 <a:tc>
@@ -13057,6 +13015,11 @@
                     </a:solidFill>
                   </a:tcPr>
                 </a:tc>
+                <a:extLst>
+                  <a:ext uri="{0D108BD9-81ED-4DB2-BD59-A6C34878D82A}">
+                    <a16:rowId xmlns:a16="http://schemas.microsoft.com/office/drawing/2014/main" val="10028"/>
+                  </a:ext>
+                </a:extLst>
               </a:tr>
               <a:tr h="129016">
                 <a:tc>
@@ -13389,6 +13352,11 @@
                     </a:solidFill>
                   </a:tcPr>
                 </a:tc>
+                <a:extLst>
+                  <a:ext uri="{0D108BD9-81ED-4DB2-BD59-A6C34878D82A}">
+                    <a16:rowId xmlns:a16="http://schemas.microsoft.com/office/drawing/2014/main" val="10029"/>
+                  </a:ext>
+                </a:extLst>
               </a:tr>
               <a:tr h="129016">
                 <a:tc>
@@ -13721,6 +13689,11 @@
                     </a:solidFill>
                   </a:tcPr>
                 </a:tc>
+                <a:extLst>
+                  <a:ext uri="{0D108BD9-81ED-4DB2-BD59-A6C34878D82A}">
+                    <a16:rowId xmlns:a16="http://schemas.microsoft.com/office/drawing/2014/main" val="10030"/>
+                  </a:ext>
+                </a:extLst>
               </a:tr>
               <a:tr h="129016">
                 <a:tc>
@@ -14053,6 +14026,11 @@
                     </a:solidFill>
                   </a:tcPr>
                 </a:tc>
+                <a:extLst>
+                  <a:ext uri="{0D108BD9-81ED-4DB2-BD59-A6C34878D82A}">
+                    <a16:rowId xmlns:a16="http://schemas.microsoft.com/office/drawing/2014/main" val="10031"/>
+                  </a:ext>
+                </a:extLst>
               </a:tr>
               <a:tr h="129016">
                 <a:tc>
@@ -14385,6 +14363,11 @@
                     </a:solidFill>
                   </a:tcPr>
                 </a:tc>
+                <a:extLst>
+                  <a:ext uri="{0D108BD9-81ED-4DB2-BD59-A6C34878D82A}">
+                    <a16:rowId xmlns:a16="http://schemas.microsoft.com/office/drawing/2014/main" val="10032"/>
+                  </a:ext>
+                </a:extLst>
               </a:tr>
               <a:tr h="129016">
                 <a:tc rowSpan="6">
@@ -14808,6 +14791,11 @@
                     </a:solidFill>
                   </a:tcPr>
                 </a:tc>
+                <a:extLst>
+                  <a:ext uri="{0D108BD9-81ED-4DB2-BD59-A6C34878D82A}">
+                    <a16:rowId xmlns:a16="http://schemas.microsoft.com/office/drawing/2014/main" val="10033"/>
+                  </a:ext>
+                </a:extLst>
               </a:tr>
               <a:tr h="129016">
                 <a:tc vMerge="1">
@@ -14970,6 +14958,11 @@
                   </a:txBody>
                   <a:tcPr/>
                 </a:tc>
+                <a:extLst>
+                  <a:ext uri="{0D108BD9-81ED-4DB2-BD59-A6C34878D82A}">
+                    <a16:rowId xmlns:a16="http://schemas.microsoft.com/office/drawing/2014/main" val="10034"/>
+                  </a:ext>
+                </a:extLst>
               </a:tr>
               <a:tr h="129016">
                 <a:tc vMerge="1">
@@ -15132,6 +15125,11 @@
                   </a:txBody>
                   <a:tcPr/>
                 </a:tc>
+                <a:extLst>
+                  <a:ext uri="{0D108BD9-81ED-4DB2-BD59-A6C34878D82A}">
+                    <a16:rowId xmlns:a16="http://schemas.microsoft.com/office/drawing/2014/main" val="10035"/>
+                  </a:ext>
+                </a:extLst>
               </a:tr>
               <a:tr h="129016">
                 <a:tc vMerge="1">
@@ -15294,6 +15292,11 @@
                   </a:txBody>
                   <a:tcPr/>
                 </a:tc>
+                <a:extLst>
+                  <a:ext uri="{0D108BD9-81ED-4DB2-BD59-A6C34878D82A}">
+                    <a16:rowId xmlns:a16="http://schemas.microsoft.com/office/drawing/2014/main" val="10036"/>
+                  </a:ext>
+                </a:extLst>
               </a:tr>
               <a:tr h="129016">
                 <a:tc vMerge="1">
@@ -15456,6 +15459,11 @@
                   </a:txBody>
                   <a:tcPr/>
                 </a:tc>
+                <a:extLst>
+                  <a:ext uri="{0D108BD9-81ED-4DB2-BD59-A6C34878D82A}">
+                    <a16:rowId xmlns:a16="http://schemas.microsoft.com/office/drawing/2014/main" val="10037"/>
+                  </a:ext>
+                </a:extLst>
               </a:tr>
               <a:tr h="129016">
                 <a:tc vMerge="1">
@@ -15618,6 +15626,11 @@
                   </a:txBody>
                   <a:tcPr/>
                 </a:tc>
+                <a:extLst>
+                  <a:ext uri="{0D108BD9-81ED-4DB2-BD59-A6C34878D82A}">
+                    <a16:rowId xmlns:a16="http://schemas.microsoft.com/office/drawing/2014/main" val="10038"/>
+                  </a:ext>
+                </a:extLst>
               </a:tr>
             </a:tbl>
           </a:graphicData>
@@ -15626,7 +15639,230 @@
     </p:spTree>
     <p:extLst>
       <p:ext uri="{BB962C8B-B14F-4D97-AF65-F5344CB8AC3E}">
-        <p14:creationId xmlns="" xmlns:p14="http://schemas.microsoft.com/office/powerpoint/2010/main" val="3473488303"/>
+        <p14:creationId xmlns:p14="http://schemas.microsoft.com/office/powerpoint/2010/main" val="3473488303"/>
+      </p:ext>
+    </p:extLst>
+  </p:cSld>
+  <p:clrMapOvr>
+    <a:masterClrMapping/>
+  </p:clrMapOvr>
+  <p:timing>
+    <p:tnLst>
+      <p:par>
+        <p:cTn id="1" dur="indefinite" restart="never" nodeType="tmRoot"/>
+      </p:par>
+    </p:tnLst>
+  </p:timing>
+</p:sld>
+</file>
+
+<file path=ppt/slides/slide7.xml><?xml version="1.0" encoding="utf-8"?>
+<p:sld xmlns:a="http://schemas.openxmlformats.org/drawingml/2006/main" xmlns:r="http://schemas.openxmlformats.org/officeDocument/2006/relationships" xmlns:p="http://schemas.openxmlformats.org/presentationml/2006/main">
+  <p:cSld>
+    <p:spTree>
+      <p:nvGrpSpPr>
+        <p:cNvPr id="1" name=""/>
+        <p:cNvGrpSpPr/>
+        <p:nvPr/>
+      </p:nvGrpSpPr>
+      <p:grpSpPr>
+        <a:xfrm>
+          <a:off x="0" y="0"/>
+          <a:ext cx="0" cy="0"/>
+          <a:chOff x="0" y="0"/>
+          <a:chExt cx="0" cy="0"/>
+        </a:xfrm>
+      </p:grpSpPr>
+      <p:sp>
+        <p:nvSpPr>
+          <p:cNvPr id="2" name="Title 1">
+            <a:extLst>
+              <a:ext uri="{FF2B5EF4-FFF2-40B4-BE49-F238E27FC236}">
+                <a16:creationId xmlns:a16="http://schemas.microsoft.com/office/drawing/2014/main" id="{E199600F-A17E-4354-A7AB-0CC2A43A9354}"/>
+              </a:ext>
+            </a:extLst>
+          </p:cNvPr>
+          <p:cNvSpPr>
+            <a:spLocks noGrp="1"/>
+          </p:cNvSpPr>
+          <p:nvPr>
+            <p:ph type="title"/>
+          </p:nvPr>
+        </p:nvSpPr>
+        <p:spPr>
+          <a:xfrm>
+            <a:off x="838199" y="611080"/>
+            <a:ext cx="10515600" cy="833663"/>
+          </a:xfrm>
+        </p:spPr>
+        <p:txBody>
+          <a:bodyPr/>
+          <a:lstStyle/>
+          <a:p>
+            <a:pPr algn="ctr"/>
+            <a:r>
+              <a:rPr lang="en-US" smtClean="0"/>
+              <a:t>Associativity</a:t>
+            </a:r>
+            <a:endParaRPr lang="en-US" dirty="0"/>
+          </a:p>
+        </p:txBody>
+      </p:sp>
+      <p:sp>
+        <p:nvSpPr>
+          <p:cNvPr id="3" name="Content Placeholder 2">
+            <a:extLst>
+              <a:ext uri="{FF2B5EF4-FFF2-40B4-BE49-F238E27FC236}">
+                <a16:creationId xmlns:a16="http://schemas.microsoft.com/office/drawing/2014/main" id="{FA6A4B49-27C8-46B6-8B11-AD7E8F615E2C}"/>
+              </a:ext>
+            </a:extLst>
+          </p:cNvPr>
+          <p:cNvSpPr>
+            <a:spLocks noGrp="1"/>
+          </p:cNvSpPr>
+          <p:nvPr>
+            <p:ph idx="1"/>
+          </p:nvPr>
+        </p:nvSpPr>
+        <p:spPr>
+          <a:xfrm>
+            <a:off x="838199" y="1825625"/>
+            <a:ext cx="10461171" cy="4351338"/>
+          </a:xfrm>
+        </p:spPr>
+        <p:txBody>
+          <a:bodyPr>
+            <a:normAutofit/>
+          </a:bodyPr>
+          <a:lstStyle/>
+          <a:p>
+            <a:r>
+              <a:rPr lang="en-US" dirty="0"/>
+              <a:t>As there exist rules for evaluating operators in mathematics known as BODMAS similarly their exist rules for evaluating expressions in java</a:t>
+            </a:r>
+            <a:r>
+              <a:rPr lang="en-US" dirty="0" smtClean="0"/>
+              <a:t>.</a:t>
+            </a:r>
+          </a:p>
+          <a:p>
+            <a:r>
+              <a:rPr lang="en-US" sz="2000" noProof="1" smtClean="0"/>
+              <a:t>In java too arithmetic operations are governed by BODMAS rule but since there are other operations like logical ,relational etc.</a:t>
+            </a:r>
+          </a:p>
+          <a:p>
+            <a:r>
+              <a:rPr lang="en-US" noProof="1" smtClean="0"/>
+              <a:t>Use parenthesis to alter the order of evaluation of expression.</a:t>
+            </a:r>
+          </a:p>
+          <a:p>
+            <a:endParaRPr lang="en-US" sz="2000" noProof="1"/>
+          </a:p>
+        </p:txBody>
+      </p:sp>
+      <p:sp>
+        <p:nvSpPr>
+          <p:cNvPr id="4" name="Slide Number Placeholder 3">
+            <a:extLst>
+              <a:ext uri="{FF2B5EF4-FFF2-40B4-BE49-F238E27FC236}">
+                <a16:creationId xmlns:a16="http://schemas.microsoft.com/office/drawing/2014/main" id="{62B4CE3A-8C88-45AA-A849-57E5A7AC22C1}"/>
+              </a:ext>
+            </a:extLst>
+          </p:cNvPr>
+          <p:cNvSpPr>
+            <a:spLocks noGrp="1"/>
+          </p:cNvSpPr>
+          <p:nvPr>
+            <p:ph type="sldNum" sz="quarter" idx="10"/>
+          </p:nvPr>
+        </p:nvSpPr>
+        <p:spPr>
+          <a:xfrm>
+            <a:off x="11353800" y="6361475"/>
+            <a:ext cx="838200" cy="360000"/>
+          </a:xfrm>
+        </p:spPr>
+        <p:txBody>
+          <a:bodyPr/>
+          <a:lstStyle/>
+          <a:p>
+            <a:r>
+              <a:rPr lang="en-US" dirty="0"/>
+              <a:t>PAGE </a:t>
+            </a:r>
+            <a:fld id="{4A9B5881-4007-4345-955A-79C2656F0C49}" type="slidenum">
+              <a:rPr lang="en-US" smtClean="0"/>
+              <a:pPr/>
+              <a:t>7</a:t>
+            </a:fld>
+            <a:endParaRPr lang="en-US" dirty="0"/>
+          </a:p>
+        </p:txBody>
+      </p:sp>
+      <p:sp>
+        <p:nvSpPr>
+          <p:cNvPr id="11" name="Rectangle 10">
+            <a:extLst>
+              <a:ext uri="{FF2B5EF4-FFF2-40B4-BE49-F238E27FC236}">
+                <a16:creationId xmlns:a16="http://schemas.microsoft.com/office/drawing/2014/main" id="{5F253864-26FA-4AB1-9F0A-4F57D870EE85}"/>
+              </a:ext>
+              <a:ext uri="{C183D7F6-B498-43B3-948B-1728B52AA6E4}">
+                <adec:decorative xmlns="" xmlns:adec="http://schemas.microsoft.com/office/drawing/2017/decorative" val="1"/>
+              </a:ext>
+            </a:extLst>
+          </p:cNvPr>
+          <p:cNvSpPr/>
+          <p:nvPr/>
+        </p:nvSpPr>
+        <p:spPr>
+          <a:xfrm>
+            <a:off x="6249555" y="6562004"/>
+            <a:ext cx="2552123" cy="159471"/>
+          </a:xfrm>
+          <a:prstGeom prst="rect">
+            <a:avLst/>
+          </a:prstGeom>
+          <a:solidFill>
+            <a:schemeClr val="tx1">
+              <a:lumMod val="85000"/>
+              <a:lumOff val="15000"/>
+            </a:schemeClr>
+          </a:solidFill>
+          <a:ln>
+            <a:noFill/>
+          </a:ln>
+        </p:spPr>
+        <p:style>
+          <a:lnRef idx="2">
+            <a:schemeClr val="accent1">
+              <a:shade val="50000"/>
+            </a:schemeClr>
+          </a:lnRef>
+          <a:fillRef idx="1">
+            <a:schemeClr val="accent1"/>
+          </a:fillRef>
+          <a:effectRef idx="0">
+            <a:schemeClr val="accent1"/>
+          </a:effectRef>
+          <a:fontRef idx="minor">
+            <a:schemeClr val="lt1"/>
+          </a:fontRef>
+        </p:style>
+        <p:txBody>
+          <a:bodyPr anchor="ctr"/>
+          <a:lstStyle/>
+          <a:p>
+            <a:pPr algn="ctr"/>
+            <a:endParaRPr lang="en-US" sz="1200" dirty="0"/>
+          </a:p>
+        </p:txBody>
+      </p:sp>
+    </p:spTree>
+    <p:extLst>
+      <p:ext uri="{BB962C8B-B14F-4D97-AF65-F5344CB8AC3E}">
+        <p14:creationId xmlns:p14="http://schemas.microsoft.com/office/powerpoint/2010/main" val="3709667783"/>
       </p:ext>
     </p:extLst>
   </p:cSld>
@@ -15665,7 +15901,7 @@
           <p:cNvPr id="2" name="Title 1">
             <a:extLst>
               <a:ext uri="{FF2B5EF4-FFF2-40B4-BE49-F238E27FC236}">
-                <a16:creationId xmlns="" xmlns:a16="http://schemas.microsoft.com/office/drawing/2014/main" id="{C8F58AE6-56F6-44E8-8BBF-23277B1773E4}"/>
+                <a16:creationId xmlns:a16="http://schemas.microsoft.com/office/drawing/2014/main" id="{C8F58AE6-56F6-44E8-8BBF-23277B1773E4}"/>
               </a:ext>
             </a:extLst>
           </p:cNvPr>
@@ -15704,7 +15940,7 @@
           <a:blip r:embed="rId2">
             <a:extLst>
               <a:ext uri="{28A0092B-C50C-407E-A947-70E740481C1C}">
-                <a14:useLocalDpi xmlns="" xmlns:a14="http://schemas.microsoft.com/office/drawing/2010/main" val="0"/>
+                <a14:useLocalDpi xmlns:a14="http://schemas.microsoft.com/office/drawing/2010/main" val="0"/>
               </a:ext>
             </a:extLst>
           </a:blip>
@@ -15724,7 +15960,7 @@
           <p:cNvPr id="20" name="Slide Number Placeholder 19">
             <a:extLst>
               <a:ext uri="{FF2B5EF4-FFF2-40B4-BE49-F238E27FC236}">
-                <a16:creationId xmlns="" xmlns:a16="http://schemas.microsoft.com/office/drawing/2014/main" id="{3AEC0301-E9AA-4478-9E23-C372DBDCE653}"/>
+                <a16:creationId xmlns:a16="http://schemas.microsoft.com/office/drawing/2014/main" id="{3AEC0301-E9AA-4478-9E23-C372DBDCE653}"/>
               </a:ext>
             </a:extLst>
           </p:cNvPr>
@@ -15763,7 +15999,7 @@
           <p:cNvPr id="10" name="Isosceles Triangle 9">
             <a:extLst>
               <a:ext uri="{FF2B5EF4-FFF2-40B4-BE49-F238E27FC236}">
-                <a16:creationId xmlns="" xmlns:a16="http://schemas.microsoft.com/office/drawing/2014/main" id="{792980D7-ED01-4955-83DB-59BA18C94FBA}"/>
+                <a16:creationId xmlns:a16="http://schemas.microsoft.com/office/drawing/2014/main" id="{792980D7-ED01-4955-83DB-59BA18C94FBA}"/>
               </a:ext>
               <a:ext uri="{C183D7F6-B498-43B3-948B-1728B52AA6E4}">
                 <adec:decorative xmlns="" xmlns:adec="http://schemas.microsoft.com/office/drawing/2017/decorative" val="1"/>
@@ -15844,7 +16080,7 @@
     </p:spTree>
     <p:extLst>
       <p:ext uri="{BB962C8B-B14F-4D97-AF65-F5344CB8AC3E}">
-        <p14:creationId xmlns="" xmlns:p14="http://schemas.microsoft.com/office/powerpoint/2010/main" val="1704949556"/>
+        <p14:creationId xmlns:p14="http://schemas.microsoft.com/office/powerpoint/2010/main" val="1704949556"/>
       </p:ext>
     </p:extLst>
   </p:cSld>
@@ -16056,7 +16292,7 @@
   <a:extraClrSchemeLst/>
   <a:extLst>
     <a:ext uri="{05A4C25C-085E-4340-85A3-A5531E510DB2}">
-      <thm15:themeFamily xmlns="" xmlns:thm15="http://schemas.microsoft.com/office/thememl/2012/main" name="Classic-Corporate_Teach a Course_Win32_SB - v2" id="{AAA48AC2-5F99-4B13-8624-B64D50F70391}" vid="{7E93EDBA-CDC2-40D2-AD59-7619D791F782}"/>
+      <thm15:themeFamily xmlns:thm15="http://schemas.microsoft.com/office/thememl/2012/main" name="Classic-Corporate_Teach a Course_Win32_SB - v2" id="{AAA48AC2-5F99-4B13-8624-B64D50F70391}" vid="{7E93EDBA-CDC2-40D2-AD59-7619D791F782}"/>
     </a:ext>
   </a:extLst>
 </a:theme>
@@ -16351,7 +16587,7 @@
   <a:extraClrSchemeLst/>
   <a:extLst>
     <a:ext uri="{05A4C25C-085E-4340-85A3-A5531E510DB2}">
-      <thm15:themeFamily xmlns="" xmlns:thm15="http://schemas.microsoft.com/office/thememl/2012/main" name="Office Theme" id="{62F939B6-93AF-4DB8-9C6B-D6C7DFDC589F}" vid="{4A3C46E8-61CC-4603-A589-7422A47A8E4A}"/>
+      <thm15:themeFamily xmlns:thm15="http://schemas.microsoft.com/office/thememl/2012/main" name="Office Theme" id="{62F939B6-93AF-4DB8-9C6B-D6C7DFDC589F}" vid="{4A3C46E8-61CC-4603-A589-7422A47A8E4A}"/>
     </a:ext>
   </a:extLst>
 </a:theme>
@@ -16646,7 +16882,7 @@
   <a:extraClrSchemeLst/>
   <a:extLst>
     <a:ext uri="{05A4C25C-085E-4340-85A3-A5531E510DB2}">
-      <thm15:themeFamily xmlns="" xmlns:thm15="http://schemas.microsoft.com/office/thememl/2012/main" name="Office Theme" id="{62F939B6-93AF-4DB8-9C6B-D6C7DFDC589F}" vid="{4A3C46E8-61CC-4603-A589-7422A47A8E4A}"/>
+      <thm15:themeFamily xmlns:thm15="http://schemas.microsoft.com/office/thememl/2012/main" name="Office Theme" id="{62F939B6-93AF-4DB8-9C6B-D6C7DFDC589F}" vid="{4A3C46E8-61CC-4603-A589-7422A47A8E4A}"/>
     </a:ext>
   </a:extLst>
 </a:theme>
